--- a/figures/Chapter 4 - Introduction to Graph Theory/4.7 Disjoint Sets.pptx
+++ b/figures/Chapter 4 - Introduction to Graph Theory/4.7 Disjoint Sets.pptx
@@ -184,10 +184,9 @@
           <a:lstStyle/>
           <a:p>
             <a:r>
-              <a:rPr lang="en-US" smtClean="0"/>
+              <a:rPr lang="en-US"/>
               <a:t>Click to edit Master title style</a:t>
             </a:r>
-            <a:endParaRPr lang="en-US"/>
           </a:p>
         </p:txBody>
       </p:sp>
@@ -303,10 +302,9 @@
           </a:lstStyle>
           <a:p>
             <a:r>
-              <a:rPr lang="en-US" smtClean="0"/>
+              <a:rPr lang="en-US"/>
               <a:t>Click to edit Master subtitle style</a:t>
             </a:r>
-            <a:endParaRPr lang="en-US"/>
           </a:p>
         </p:txBody>
       </p:sp>
@@ -327,7 +325,7 @@
           <a:p>
             <a:fld id="{48E54DC3-AE79-7545-ADCD-4F68804F532F}" type="datetimeFigureOut">
               <a:rPr lang="en-US" smtClean="0"/>
-              <a:t>7/31/2016</a:t>
+              <a:t>5/8/18</a:t>
             </a:fld>
             <a:endParaRPr lang="en-US"/>
           </a:p>
@@ -421,10 +419,9 @@
           <a:lstStyle/>
           <a:p>
             <a:r>
-              <a:rPr lang="en-US" smtClean="0"/>
+              <a:rPr lang="en-US"/>
               <a:t>Click to edit Master title style</a:t>
             </a:r>
-            <a:endParaRPr lang="en-US"/>
           </a:p>
         </p:txBody>
       </p:sp>
@@ -445,38 +442,37 @@
           <a:p>
             <a:pPr lvl="0"/>
             <a:r>
-              <a:rPr lang="en-US" smtClean="0"/>
+              <a:rPr lang="en-US"/>
               <a:t>Click to edit Master text styles</a:t>
             </a:r>
           </a:p>
           <a:p>
             <a:pPr lvl="1"/>
             <a:r>
-              <a:rPr lang="en-US" smtClean="0"/>
+              <a:rPr lang="en-US"/>
               <a:t>Second level</a:t>
             </a:r>
           </a:p>
           <a:p>
             <a:pPr lvl="2"/>
             <a:r>
-              <a:rPr lang="en-US" smtClean="0"/>
+              <a:rPr lang="en-US"/>
               <a:t>Third level</a:t>
             </a:r>
           </a:p>
           <a:p>
             <a:pPr lvl="3"/>
             <a:r>
-              <a:rPr lang="en-US" smtClean="0"/>
+              <a:rPr lang="en-US"/>
               <a:t>Fourth level</a:t>
             </a:r>
           </a:p>
           <a:p>
             <a:pPr lvl="4"/>
             <a:r>
-              <a:rPr lang="en-US" smtClean="0"/>
+              <a:rPr lang="en-US"/>
               <a:t>Fifth level</a:t>
             </a:r>
-            <a:endParaRPr lang="en-US"/>
           </a:p>
         </p:txBody>
       </p:sp>
@@ -497,7 +493,7 @@
           <a:p>
             <a:fld id="{48E54DC3-AE79-7545-ADCD-4F68804F532F}" type="datetimeFigureOut">
               <a:rPr lang="en-US" smtClean="0"/>
-              <a:t>7/31/2016</a:t>
+              <a:t>5/8/18</a:t>
             </a:fld>
             <a:endParaRPr lang="en-US"/>
           </a:p>
@@ -596,10 +592,9 @@
           <a:lstStyle/>
           <a:p>
             <a:r>
-              <a:rPr lang="en-US" smtClean="0"/>
+              <a:rPr lang="en-US"/>
               <a:t>Click to edit Master title style</a:t>
             </a:r>
-            <a:endParaRPr lang="en-US"/>
           </a:p>
         </p:txBody>
       </p:sp>
@@ -625,38 +620,37 @@
           <a:p>
             <a:pPr lvl="0"/>
             <a:r>
-              <a:rPr lang="en-US" smtClean="0"/>
+              <a:rPr lang="en-US"/>
               <a:t>Click to edit Master text styles</a:t>
             </a:r>
           </a:p>
           <a:p>
             <a:pPr lvl="1"/>
             <a:r>
-              <a:rPr lang="en-US" smtClean="0"/>
+              <a:rPr lang="en-US"/>
               <a:t>Second level</a:t>
             </a:r>
           </a:p>
           <a:p>
             <a:pPr lvl="2"/>
             <a:r>
-              <a:rPr lang="en-US" smtClean="0"/>
+              <a:rPr lang="en-US"/>
               <a:t>Third level</a:t>
             </a:r>
           </a:p>
           <a:p>
             <a:pPr lvl="3"/>
             <a:r>
-              <a:rPr lang="en-US" smtClean="0"/>
+              <a:rPr lang="en-US"/>
               <a:t>Fourth level</a:t>
             </a:r>
           </a:p>
           <a:p>
             <a:pPr lvl="4"/>
             <a:r>
-              <a:rPr lang="en-US" smtClean="0"/>
+              <a:rPr lang="en-US"/>
               <a:t>Fifth level</a:t>
             </a:r>
-            <a:endParaRPr lang="en-US"/>
           </a:p>
         </p:txBody>
       </p:sp>
@@ -677,7 +671,7 @@
           <a:p>
             <a:fld id="{48E54DC3-AE79-7545-ADCD-4F68804F532F}" type="datetimeFigureOut">
               <a:rPr lang="en-US" smtClean="0"/>
-              <a:t>7/31/2016</a:t>
+              <a:t>5/8/18</a:t>
             </a:fld>
             <a:endParaRPr lang="en-US"/>
           </a:p>
@@ -771,10 +765,9 @@
           <a:lstStyle/>
           <a:p>
             <a:r>
-              <a:rPr lang="en-US" smtClean="0"/>
+              <a:rPr lang="en-US"/>
               <a:t>Click to edit Master title style</a:t>
             </a:r>
-            <a:endParaRPr lang="en-US"/>
           </a:p>
         </p:txBody>
       </p:sp>
@@ -795,38 +788,37 @@
           <a:p>
             <a:pPr lvl="0"/>
             <a:r>
-              <a:rPr lang="en-US" smtClean="0"/>
+              <a:rPr lang="en-US"/>
               <a:t>Click to edit Master text styles</a:t>
             </a:r>
           </a:p>
           <a:p>
             <a:pPr lvl="1"/>
             <a:r>
-              <a:rPr lang="en-US" smtClean="0"/>
+              <a:rPr lang="en-US"/>
               <a:t>Second level</a:t>
             </a:r>
           </a:p>
           <a:p>
             <a:pPr lvl="2"/>
             <a:r>
-              <a:rPr lang="en-US" smtClean="0"/>
+              <a:rPr lang="en-US"/>
               <a:t>Third level</a:t>
             </a:r>
           </a:p>
           <a:p>
             <a:pPr lvl="3"/>
             <a:r>
-              <a:rPr lang="en-US" smtClean="0"/>
+              <a:rPr lang="en-US"/>
               <a:t>Fourth level</a:t>
             </a:r>
           </a:p>
           <a:p>
             <a:pPr lvl="4"/>
             <a:r>
-              <a:rPr lang="en-US" smtClean="0"/>
+              <a:rPr lang="en-US"/>
               <a:t>Fifth level</a:t>
             </a:r>
-            <a:endParaRPr lang="en-US"/>
           </a:p>
         </p:txBody>
       </p:sp>
@@ -847,7 +839,7 @@
           <a:p>
             <a:fld id="{48E54DC3-AE79-7545-ADCD-4F68804F532F}" type="datetimeFigureOut">
               <a:rPr lang="en-US" smtClean="0"/>
-              <a:t>7/31/2016</a:t>
+              <a:t>5/8/18</a:t>
             </a:fld>
             <a:endParaRPr lang="en-US"/>
           </a:p>
@@ -950,10 +942,9 @@
           </a:lstStyle>
           <a:p>
             <a:r>
-              <a:rPr lang="en-US" smtClean="0"/>
+              <a:rPr lang="en-US"/>
               <a:t>Click to edit Master title style</a:t>
             </a:r>
-            <a:endParaRPr lang="en-US"/>
           </a:p>
         </p:txBody>
       </p:sp>
@@ -1070,7 +1061,7 @@
           <a:p>
             <a:pPr lvl="0"/>
             <a:r>
-              <a:rPr lang="en-US" smtClean="0"/>
+              <a:rPr lang="en-US"/>
               <a:t>Click to edit Master text styles</a:t>
             </a:r>
           </a:p>
@@ -1093,7 +1084,7 @@
           <a:p>
             <a:fld id="{48E54DC3-AE79-7545-ADCD-4F68804F532F}" type="datetimeFigureOut">
               <a:rPr lang="en-US" smtClean="0"/>
-              <a:t>7/31/2016</a:t>
+              <a:t>5/8/18</a:t>
             </a:fld>
             <a:endParaRPr lang="en-US"/>
           </a:p>
@@ -1187,10 +1178,9 @@
           <a:lstStyle/>
           <a:p>
             <a:r>
-              <a:rPr lang="en-US" smtClean="0"/>
+              <a:rPr lang="en-US"/>
               <a:t>Click to edit Master title style</a:t>
             </a:r>
-            <a:endParaRPr lang="en-US"/>
           </a:p>
         </p:txBody>
       </p:sp>
@@ -1244,38 +1234,37 @@
           <a:p>
             <a:pPr lvl="0"/>
             <a:r>
-              <a:rPr lang="en-US" smtClean="0"/>
+              <a:rPr lang="en-US"/>
               <a:t>Click to edit Master text styles</a:t>
             </a:r>
           </a:p>
           <a:p>
             <a:pPr lvl="1"/>
             <a:r>
-              <a:rPr lang="en-US" smtClean="0"/>
+              <a:rPr lang="en-US"/>
               <a:t>Second level</a:t>
             </a:r>
           </a:p>
           <a:p>
             <a:pPr lvl="2"/>
             <a:r>
-              <a:rPr lang="en-US" smtClean="0"/>
+              <a:rPr lang="en-US"/>
               <a:t>Third level</a:t>
             </a:r>
           </a:p>
           <a:p>
             <a:pPr lvl="3"/>
             <a:r>
-              <a:rPr lang="en-US" smtClean="0"/>
+              <a:rPr lang="en-US"/>
               <a:t>Fourth level</a:t>
             </a:r>
           </a:p>
           <a:p>
             <a:pPr lvl="4"/>
             <a:r>
-              <a:rPr lang="en-US" smtClean="0"/>
+              <a:rPr lang="en-US"/>
               <a:t>Fifth level</a:t>
             </a:r>
-            <a:endParaRPr lang="en-US"/>
           </a:p>
         </p:txBody>
       </p:sp>
@@ -1329,38 +1318,37 @@
           <a:p>
             <a:pPr lvl="0"/>
             <a:r>
-              <a:rPr lang="en-US" smtClean="0"/>
+              <a:rPr lang="en-US"/>
               <a:t>Click to edit Master text styles</a:t>
             </a:r>
           </a:p>
           <a:p>
             <a:pPr lvl="1"/>
             <a:r>
-              <a:rPr lang="en-US" smtClean="0"/>
+              <a:rPr lang="en-US"/>
               <a:t>Second level</a:t>
             </a:r>
           </a:p>
           <a:p>
             <a:pPr lvl="2"/>
             <a:r>
-              <a:rPr lang="en-US" smtClean="0"/>
+              <a:rPr lang="en-US"/>
               <a:t>Third level</a:t>
             </a:r>
           </a:p>
           <a:p>
             <a:pPr lvl="3"/>
             <a:r>
-              <a:rPr lang="en-US" smtClean="0"/>
+              <a:rPr lang="en-US"/>
               <a:t>Fourth level</a:t>
             </a:r>
           </a:p>
           <a:p>
             <a:pPr lvl="4"/>
             <a:r>
-              <a:rPr lang="en-US" smtClean="0"/>
+              <a:rPr lang="en-US"/>
               <a:t>Fifth level</a:t>
             </a:r>
-            <a:endParaRPr lang="en-US"/>
           </a:p>
         </p:txBody>
       </p:sp>
@@ -1381,7 +1369,7 @@
           <a:p>
             <a:fld id="{48E54DC3-AE79-7545-ADCD-4F68804F532F}" type="datetimeFigureOut">
               <a:rPr lang="en-US" smtClean="0"/>
-              <a:t>7/31/2016</a:t>
+              <a:t>5/8/18</a:t>
             </a:fld>
             <a:endParaRPr lang="en-US"/>
           </a:p>
@@ -1479,10 +1467,9 @@
           </a:lstStyle>
           <a:p>
             <a:r>
-              <a:rPr lang="en-US" smtClean="0"/>
+              <a:rPr lang="en-US"/>
               <a:t>Click to edit Master title style</a:t>
             </a:r>
-            <a:endParaRPr lang="en-US"/>
           </a:p>
         </p:txBody>
       </p:sp>
@@ -1545,7 +1532,7 @@
           <a:p>
             <a:pPr lvl="0"/>
             <a:r>
-              <a:rPr lang="en-US" smtClean="0"/>
+              <a:rPr lang="en-US"/>
               <a:t>Click to edit Master text styles</a:t>
             </a:r>
           </a:p>
@@ -1601,38 +1588,37 @@
           <a:p>
             <a:pPr lvl="0"/>
             <a:r>
-              <a:rPr lang="en-US" smtClean="0"/>
+              <a:rPr lang="en-US"/>
               <a:t>Click to edit Master text styles</a:t>
             </a:r>
           </a:p>
           <a:p>
             <a:pPr lvl="1"/>
             <a:r>
-              <a:rPr lang="en-US" smtClean="0"/>
+              <a:rPr lang="en-US"/>
               <a:t>Second level</a:t>
             </a:r>
           </a:p>
           <a:p>
             <a:pPr lvl="2"/>
             <a:r>
-              <a:rPr lang="en-US" smtClean="0"/>
+              <a:rPr lang="en-US"/>
               <a:t>Third level</a:t>
             </a:r>
           </a:p>
           <a:p>
             <a:pPr lvl="3"/>
             <a:r>
-              <a:rPr lang="en-US" smtClean="0"/>
+              <a:rPr lang="en-US"/>
               <a:t>Fourth level</a:t>
             </a:r>
           </a:p>
           <a:p>
             <a:pPr lvl="4"/>
             <a:r>
-              <a:rPr lang="en-US" smtClean="0"/>
+              <a:rPr lang="en-US"/>
               <a:t>Fifth level</a:t>
             </a:r>
-            <a:endParaRPr lang="en-US"/>
           </a:p>
         </p:txBody>
       </p:sp>
@@ -1695,7 +1681,7 @@
           <a:p>
             <a:pPr lvl="0"/>
             <a:r>
-              <a:rPr lang="en-US" smtClean="0"/>
+              <a:rPr lang="en-US"/>
               <a:t>Click to edit Master text styles</a:t>
             </a:r>
           </a:p>
@@ -1751,38 +1737,37 @@
           <a:p>
             <a:pPr lvl="0"/>
             <a:r>
-              <a:rPr lang="en-US" smtClean="0"/>
+              <a:rPr lang="en-US"/>
               <a:t>Click to edit Master text styles</a:t>
             </a:r>
           </a:p>
           <a:p>
             <a:pPr lvl="1"/>
             <a:r>
-              <a:rPr lang="en-US" smtClean="0"/>
+              <a:rPr lang="en-US"/>
               <a:t>Second level</a:t>
             </a:r>
           </a:p>
           <a:p>
             <a:pPr lvl="2"/>
             <a:r>
-              <a:rPr lang="en-US" smtClean="0"/>
+              <a:rPr lang="en-US"/>
               <a:t>Third level</a:t>
             </a:r>
           </a:p>
           <a:p>
             <a:pPr lvl="3"/>
             <a:r>
-              <a:rPr lang="en-US" smtClean="0"/>
+              <a:rPr lang="en-US"/>
               <a:t>Fourth level</a:t>
             </a:r>
           </a:p>
           <a:p>
             <a:pPr lvl="4"/>
             <a:r>
-              <a:rPr lang="en-US" smtClean="0"/>
+              <a:rPr lang="en-US"/>
               <a:t>Fifth level</a:t>
             </a:r>
-            <a:endParaRPr lang="en-US"/>
           </a:p>
         </p:txBody>
       </p:sp>
@@ -1803,7 +1788,7 @@
           <a:p>
             <a:fld id="{48E54DC3-AE79-7545-ADCD-4F68804F532F}" type="datetimeFigureOut">
               <a:rPr lang="en-US" smtClean="0"/>
-              <a:t>7/31/2016</a:t>
+              <a:t>5/8/18</a:t>
             </a:fld>
             <a:endParaRPr lang="en-US"/>
           </a:p>
@@ -1897,10 +1882,9 @@
           <a:lstStyle/>
           <a:p>
             <a:r>
-              <a:rPr lang="en-US" smtClean="0"/>
+              <a:rPr lang="en-US"/>
               <a:t>Click to edit Master title style</a:t>
             </a:r>
-            <a:endParaRPr lang="en-US"/>
           </a:p>
         </p:txBody>
       </p:sp>
@@ -1921,7 +1905,7 @@
           <a:p>
             <a:fld id="{48E54DC3-AE79-7545-ADCD-4F68804F532F}" type="datetimeFigureOut">
               <a:rPr lang="en-US" smtClean="0"/>
-              <a:t>7/31/2016</a:t>
+              <a:t>5/8/18</a:t>
             </a:fld>
             <a:endParaRPr lang="en-US"/>
           </a:p>
@@ -2016,7 +2000,7 @@
           <a:p>
             <a:fld id="{48E54DC3-AE79-7545-ADCD-4F68804F532F}" type="datetimeFigureOut">
               <a:rPr lang="en-US" smtClean="0"/>
-              <a:t>7/31/2016</a:t>
+              <a:t>5/8/18</a:t>
             </a:fld>
             <a:endParaRPr lang="en-US"/>
           </a:p>
@@ -2119,10 +2103,9 @@
           </a:lstStyle>
           <a:p>
             <a:r>
-              <a:rPr lang="en-US" smtClean="0"/>
+              <a:rPr lang="en-US"/>
               <a:t>Click to edit Master title style</a:t>
             </a:r>
-            <a:endParaRPr lang="en-US"/>
           </a:p>
         </p:txBody>
       </p:sp>
@@ -2176,38 +2159,37 @@
           <a:p>
             <a:pPr lvl="0"/>
             <a:r>
-              <a:rPr lang="en-US" smtClean="0"/>
+              <a:rPr lang="en-US"/>
               <a:t>Click to edit Master text styles</a:t>
             </a:r>
           </a:p>
           <a:p>
             <a:pPr lvl="1"/>
             <a:r>
-              <a:rPr lang="en-US" smtClean="0"/>
+              <a:rPr lang="en-US"/>
               <a:t>Second level</a:t>
             </a:r>
           </a:p>
           <a:p>
             <a:pPr lvl="2"/>
             <a:r>
-              <a:rPr lang="en-US" smtClean="0"/>
+              <a:rPr lang="en-US"/>
               <a:t>Third level</a:t>
             </a:r>
           </a:p>
           <a:p>
             <a:pPr lvl="3"/>
             <a:r>
-              <a:rPr lang="en-US" smtClean="0"/>
+              <a:rPr lang="en-US"/>
               <a:t>Fourth level</a:t>
             </a:r>
           </a:p>
           <a:p>
             <a:pPr lvl="4"/>
             <a:r>
-              <a:rPr lang="en-US" smtClean="0"/>
+              <a:rPr lang="en-US"/>
               <a:t>Fifth level</a:t>
             </a:r>
-            <a:endParaRPr lang="en-US"/>
           </a:p>
         </p:txBody>
       </p:sp>
@@ -2270,7 +2252,7 @@
           <a:p>
             <a:pPr lvl="0"/>
             <a:r>
-              <a:rPr lang="en-US" smtClean="0"/>
+              <a:rPr lang="en-US"/>
               <a:t>Click to edit Master text styles</a:t>
             </a:r>
           </a:p>
@@ -2293,7 +2275,7 @@
           <a:p>
             <a:fld id="{48E54DC3-AE79-7545-ADCD-4F68804F532F}" type="datetimeFigureOut">
               <a:rPr lang="en-US" smtClean="0"/>
-              <a:t>7/31/2016</a:t>
+              <a:t>5/8/18</a:t>
             </a:fld>
             <a:endParaRPr lang="en-US"/>
           </a:p>
@@ -2396,10 +2378,9 @@
           </a:lstStyle>
           <a:p>
             <a:r>
-              <a:rPr lang="en-US" smtClean="0"/>
+              <a:rPr lang="en-US"/>
               <a:t>Click to edit Master title style</a:t>
             </a:r>
-            <a:endParaRPr lang="en-US"/>
           </a:p>
         </p:txBody>
       </p:sp>
@@ -2523,7 +2504,7 @@
           <a:p>
             <a:pPr lvl="0"/>
             <a:r>
-              <a:rPr lang="en-US" smtClean="0"/>
+              <a:rPr lang="en-US"/>
               <a:t>Click to edit Master text styles</a:t>
             </a:r>
           </a:p>
@@ -2546,7 +2527,7 @@
           <a:p>
             <a:fld id="{48E54DC3-AE79-7545-ADCD-4F68804F532F}" type="datetimeFigureOut">
               <a:rPr lang="en-US" smtClean="0"/>
-              <a:t>7/31/2016</a:t>
+              <a:t>5/8/18</a:t>
             </a:fld>
             <a:endParaRPr lang="en-US"/>
           </a:p>
@@ -2655,10 +2636,9 @@
           <a:lstStyle/>
           <a:p>
             <a:r>
-              <a:rPr lang="en-US" smtClean="0"/>
+              <a:rPr lang="en-US"/>
               <a:t>Click to edit Master title style</a:t>
             </a:r>
-            <a:endParaRPr lang="en-US"/>
           </a:p>
         </p:txBody>
       </p:sp>
@@ -2689,38 +2669,37 @@
           <a:p>
             <a:pPr lvl="0"/>
             <a:r>
-              <a:rPr lang="en-US" smtClean="0"/>
+              <a:rPr lang="en-US"/>
               <a:t>Click to edit Master text styles</a:t>
             </a:r>
           </a:p>
           <a:p>
             <a:pPr lvl="1"/>
             <a:r>
-              <a:rPr lang="en-US" smtClean="0"/>
+              <a:rPr lang="en-US"/>
               <a:t>Second level</a:t>
             </a:r>
           </a:p>
           <a:p>
             <a:pPr lvl="2"/>
             <a:r>
-              <a:rPr lang="en-US" smtClean="0"/>
+              <a:rPr lang="en-US"/>
               <a:t>Third level</a:t>
             </a:r>
           </a:p>
           <a:p>
             <a:pPr lvl="3"/>
             <a:r>
-              <a:rPr lang="en-US" smtClean="0"/>
+              <a:rPr lang="en-US"/>
               <a:t>Fourth level</a:t>
             </a:r>
           </a:p>
           <a:p>
             <a:pPr lvl="4"/>
             <a:r>
-              <a:rPr lang="en-US" smtClean="0"/>
+              <a:rPr lang="en-US"/>
               <a:t>Fifth level</a:t>
             </a:r>
-            <a:endParaRPr lang="en-US"/>
           </a:p>
         </p:txBody>
       </p:sp>
@@ -2759,7 +2738,7 @@
           <a:p>
             <a:fld id="{48E54DC3-AE79-7545-ADCD-4F68804F532F}" type="datetimeFigureOut">
               <a:rPr lang="en-US" smtClean="0"/>
-              <a:t>7/31/2016</a:t>
+              <a:t>5/8/18</a:t>
             </a:fld>
             <a:endParaRPr lang="en-US"/>
           </a:p>
@@ -3178,7 +3157,7 @@
           <a:p>
             <a:pPr algn="ctr" defTabSz="685783"/>
             <a:r>
-              <a:rPr lang="en-US" sz="2700" dirty="0" smtClean="0">
+              <a:rPr lang="en-US" sz="2700" dirty="0">
                 <a:solidFill>
                   <a:schemeClr val="tx1"/>
                 </a:solidFill>
@@ -3186,12 +3165,6 @@
               </a:rPr>
               <a:t>B</a:t>
             </a:r>
-            <a:endParaRPr lang="en-US" sz="2700" dirty="0">
-              <a:solidFill>
-                <a:schemeClr val="tx1"/>
-              </a:solidFill>
-              <a:latin typeface="Calibri"/>
-            </a:endParaRPr>
           </a:p>
         </p:txBody>
       </p:sp>
@@ -3238,7 +3211,7 @@
           <a:p>
             <a:pPr algn="ctr" defTabSz="685783"/>
             <a:r>
-              <a:rPr lang="en-US" sz="2700" dirty="0" smtClean="0">
+              <a:rPr lang="en-US" sz="2700" dirty="0">
                 <a:solidFill>
                   <a:prstClr val="black"/>
                 </a:solidFill>
@@ -3246,12 +3219,6 @@
               </a:rPr>
               <a:t>A</a:t>
             </a:r>
-            <a:endParaRPr lang="en-US" sz="2700" dirty="0">
-              <a:solidFill>
-                <a:prstClr val="black"/>
-              </a:solidFill>
-              <a:latin typeface="Calibri"/>
-            </a:endParaRPr>
           </a:p>
         </p:txBody>
       </p:sp>
@@ -3554,7 +3521,7 @@
           <a:p>
             <a:pPr algn="ctr" defTabSz="685783"/>
             <a:r>
-              <a:rPr lang="en-US" sz="2700" dirty="0" smtClean="0">
+              <a:rPr lang="en-US" sz="2700" dirty="0">
                 <a:solidFill>
                   <a:schemeClr val="tx1"/>
                 </a:solidFill>
@@ -3562,12 +3529,6 @@
               </a:rPr>
               <a:t>G</a:t>
             </a:r>
-            <a:endParaRPr lang="en-US" sz="2700" dirty="0">
-              <a:solidFill>
-                <a:schemeClr val="tx1"/>
-              </a:solidFill>
-              <a:latin typeface="Calibri"/>
-            </a:endParaRPr>
           </a:p>
         </p:txBody>
       </p:sp>
@@ -3580,7 +3541,7 @@
           <p:nvPr>
             <p:extLst>
               <p:ext uri="{D42A27DB-BD31-4B8C-83A1-F6EECF244321}">
-                <p14:modId xmlns:p14="http://schemas.microsoft.com/office/powerpoint/2010/main" val="2317892714"/>
+                <p14:modId xmlns:p14="http://schemas.microsoft.com/office/powerpoint/2010/main" val="1614118576"/>
               </p:ext>
             </p:extLst>
           </p:nvPr>
@@ -3596,13 +3557,55 @@
                 <a:tableStyleId>{5940675A-B579-460E-94D1-54222C63F5DA}</a:tableStyleId>
               </a:tblPr>
               <a:tblGrid>
-                <a:gridCol w="711942"/>
-                <a:gridCol w="711942"/>
-                <a:gridCol w="711942"/>
-                <a:gridCol w="711942"/>
-                <a:gridCol w="711942"/>
-                <a:gridCol w="711942"/>
-                <a:gridCol w="711942"/>
+                <a:gridCol w="711942">
+                  <a:extLst>
+                    <a:ext uri="{9D8B030D-6E8A-4147-A177-3AD203B41FA5}">
+                      <a16:colId xmlns:a16="http://schemas.microsoft.com/office/drawing/2014/main" val="20000"/>
+                    </a:ext>
+                  </a:extLst>
+                </a:gridCol>
+                <a:gridCol w="711942">
+                  <a:extLst>
+                    <a:ext uri="{9D8B030D-6E8A-4147-A177-3AD203B41FA5}">
+                      <a16:colId xmlns:a16="http://schemas.microsoft.com/office/drawing/2014/main" val="20001"/>
+                    </a:ext>
+                  </a:extLst>
+                </a:gridCol>
+                <a:gridCol w="711942">
+                  <a:extLst>
+                    <a:ext uri="{9D8B030D-6E8A-4147-A177-3AD203B41FA5}">
+                      <a16:colId xmlns:a16="http://schemas.microsoft.com/office/drawing/2014/main" val="20002"/>
+                    </a:ext>
+                  </a:extLst>
+                </a:gridCol>
+                <a:gridCol w="711942">
+                  <a:extLst>
+                    <a:ext uri="{9D8B030D-6E8A-4147-A177-3AD203B41FA5}">
+                      <a16:colId xmlns:a16="http://schemas.microsoft.com/office/drawing/2014/main" val="20003"/>
+                    </a:ext>
+                  </a:extLst>
+                </a:gridCol>
+                <a:gridCol w="711942">
+                  <a:extLst>
+                    <a:ext uri="{9D8B030D-6E8A-4147-A177-3AD203B41FA5}">
+                      <a16:colId xmlns:a16="http://schemas.microsoft.com/office/drawing/2014/main" val="20004"/>
+                    </a:ext>
+                  </a:extLst>
+                </a:gridCol>
+                <a:gridCol w="711942">
+                  <a:extLst>
+                    <a:ext uri="{9D8B030D-6E8A-4147-A177-3AD203B41FA5}">
+                      <a16:colId xmlns:a16="http://schemas.microsoft.com/office/drawing/2014/main" val="20005"/>
+                    </a:ext>
+                  </a:extLst>
+                </a:gridCol>
+                <a:gridCol w="711942">
+                  <a:extLst>
+                    <a:ext uri="{9D8B030D-6E8A-4147-A177-3AD203B41FA5}">
+                      <a16:colId xmlns:a16="http://schemas.microsoft.com/office/drawing/2014/main" val="20006"/>
+                    </a:ext>
+                  </a:extLst>
+                </a:gridCol>
               </a:tblGrid>
               <a:tr h="266279">
                 <a:tc>
@@ -3612,10 +3615,9 @@
                     <a:p>
                       <a:pPr algn="ctr"/>
                       <a:r>
-                        <a:rPr lang="en-US" dirty="0" smtClean="0"/>
+                        <a:rPr lang="en-US" dirty="0"/>
                         <a:t>-1</a:t>
                       </a:r>
-                      <a:endParaRPr lang="en-US" dirty="0"/>
                     </a:p>
                   </a:txBody>
                   <a:tcPr/>
@@ -3627,10 +3629,9 @@
                     <a:p>
                       <a:pPr algn="ctr"/>
                       <a:r>
-                        <a:rPr lang="en-US" dirty="0" smtClean="0"/>
+                        <a:rPr lang="en-US" dirty="0"/>
                         <a:t>0</a:t>
                       </a:r>
-                      <a:endParaRPr lang="en-US" dirty="0"/>
                     </a:p>
                   </a:txBody>
                   <a:tcPr/>
@@ -3642,10 +3643,9 @@
                     <a:p>
                       <a:pPr algn="ctr"/>
                       <a:r>
-                        <a:rPr lang="en-US" dirty="0" smtClean="0"/>
+                        <a:rPr lang="en-US" dirty="0"/>
                         <a:t>-1</a:t>
                       </a:r>
-                      <a:endParaRPr lang="en-US" dirty="0"/>
                     </a:p>
                   </a:txBody>
                   <a:tcPr/>
@@ -3657,10 +3657,9 @@
                     <a:p>
                       <a:pPr algn="ctr"/>
                       <a:r>
-                        <a:rPr lang="en-US" dirty="0" smtClean="0"/>
+                        <a:rPr lang="en-US" dirty="0"/>
                         <a:t>-1</a:t>
                       </a:r>
-                      <a:endParaRPr lang="en-US" dirty="0"/>
                     </a:p>
                   </a:txBody>
                   <a:tcPr/>
@@ -3672,10 +3671,9 @@
                     <a:p>
                       <a:pPr algn="ctr"/>
                       <a:r>
-                        <a:rPr lang="en-US" dirty="0" smtClean="0"/>
+                        <a:rPr lang="en-US" dirty="0"/>
                         <a:t>-1</a:t>
                       </a:r>
-                      <a:endParaRPr lang="en-US" dirty="0"/>
                     </a:p>
                   </a:txBody>
                   <a:tcPr/>
@@ -3687,10 +3685,9 @@
                     <a:p>
                       <a:pPr algn="ctr"/>
                       <a:r>
-                        <a:rPr lang="en-US" dirty="0" smtClean="0"/>
+                        <a:rPr lang="en-US" dirty="0"/>
                         <a:t>-1</a:t>
                       </a:r>
-                      <a:endParaRPr lang="en-US" dirty="0"/>
                     </a:p>
                   </a:txBody>
                   <a:tcPr/>
@@ -3702,14 +3699,18 @@
                     <a:p>
                       <a:pPr algn="ctr"/>
                       <a:r>
-                        <a:rPr lang="en-US" dirty="0" smtClean="0"/>
+                        <a:rPr lang="en-US" dirty="0"/>
                         <a:t>-1</a:t>
                       </a:r>
-                      <a:endParaRPr lang="en-US" dirty="0"/>
                     </a:p>
                   </a:txBody>
                   <a:tcPr/>
                 </a:tc>
+                <a:extLst>
+                  <a:ext uri="{0D108BD9-81ED-4DB2-BD59-A6C34878D82A}">
+                    <a16:rowId xmlns:a16="http://schemas.microsoft.com/office/drawing/2014/main" val="10000"/>
+                  </a:ext>
+                </a:extLst>
               </a:tr>
             </a:tbl>
           </a:graphicData>
@@ -3724,7 +3725,7 @@
           <p:nvPr>
             <p:extLst>
               <p:ext uri="{D42A27DB-BD31-4B8C-83A1-F6EECF244321}">
-                <p14:modId xmlns:p14="http://schemas.microsoft.com/office/powerpoint/2010/main" val="3524967044"/>
+                <p14:modId xmlns:p14="http://schemas.microsoft.com/office/powerpoint/2010/main" val="739019645"/>
               </p:ext>
             </p:extLst>
           </p:nvPr>
@@ -3740,13 +3741,55 @@
                 <a:tableStyleId>{2D5ABB26-0587-4C30-8999-92F81FD0307C}</a:tableStyleId>
               </a:tblPr>
               <a:tblGrid>
-                <a:gridCol w="711942"/>
-                <a:gridCol w="711942"/>
-                <a:gridCol w="711942"/>
-                <a:gridCol w="711942"/>
-                <a:gridCol w="711942"/>
-                <a:gridCol w="711942"/>
-                <a:gridCol w="711942"/>
+                <a:gridCol w="711942">
+                  <a:extLst>
+                    <a:ext uri="{9D8B030D-6E8A-4147-A177-3AD203B41FA5}">
+                      <a16:colId xmlns:a16="http://schemas.microsoft.com/office/drawing/2014/main" val="20000"/>
+                    </a:ext>
+                  </a:extLst>
+                </a:gridCol>
+                <a:gridCol w="711942">
+                  <a:extLst>
+                    <a:ext uri="{9D8B030D-6E8A-4147-A177-3AD203B41FA5}">
+                      <a16:colId xmlns:a16="http://schemas.microsoft.com/office/drawing/2014/main" val="20001"/>
+                    </a:ext>
+                  </a:extLst>
+                </a:gridCol>
+                <a:gridCol w="711942">
+                  <a:extLst>
+                    <a:ext uri="{9D8B030D-6E8A-4147-A177-3AD203B41FA5}">
+                      <a16:colId xmlns:a16="http://schemas.microsoft.com/office/drawing/2014/main" val="20002"/>
+                    </a:ext>
+                  </a:extLst>
+                </a:gridCol>
+                <a:gridCol w="711942">
+                  <a:extLst>
+                    <a:ext uri="{9D8B030D-6E8A-4147-A177-3AD203B41FA5}">
+                      <a16:colId xmlns:a16="http://schemas.microsoft.com/office/drawing/2014/main" val="20003"/>
+                    </a:ext>
+                  </a:extLst>
+                </a:gridCol>
+                <a:gridCol w="711942">
+                  <a:extLst>
+                    <a:ext uri="{9D8B030D-6E8A-4147-A177-3AD203B41FA5}">
+                      <a16:colId xmlns:a16="http://schemas.microsoft.com/office/drawing/2014/main" val="20004"/>
+                    </a:ext>
+                  </a:extLst>
+                </a:gridCol>
+                <a:gridCol w="711942">
+                  <a:extLst>
+                    <a:ext uri="{9D8B030D-6E8A-4147-A177-3AD203B41FA5}">
+                      <a16:colId xmlns:a16="http://schemas.microsoft.com/office/drawing/2014/main" val="20005"/>
+                    </a:ext>
+                  </a:extLst>
+                </a:gridCol>
+                <a:gridCol w="711942">
+                  <a:extLst>
+                    <a:ext uri="{9D8B030D-6E8A-4147-A177-3AD203B41FA5}">
+                      <a16:colId xmlns:a16="http://schemas.microsoft.com/office/drawing/2014/main" val="20006"/>
+                    </a:ext>
+                  </a:extLst>
+                </a:gridCol>
               </a:tblGrid>
               <a:tr h="266279">
                 <a:tc>
@@ -3756,10 +3799,9 @@
                     <a:p>
                       <a:pPr algn="ctr"/>
                       <a:r>
-                        <a:rPr lang="en-US" dirty="0" smtClean="0"/>
+                        <a:rPr lang="en-US" dirty="0"/>
                         <a:t>A</a:t>
                       </a:r>
-                      <a:endParaRPr lang="en-US" dirty="0"/>
                     </a:p>
                   </a:txBody>
                   <a:tcPr/>
@@ -3771,10 +3813,9 @@
                     <a:p>
                       <a:pPr algn="ctr"/>
                       <a:r>
-                        <a:rPr lang="en-US" dirty="0" smtClean="0"/>
+                        <a:rPr lang="en-US" dirty="0"/>
                         <a:t>B</a:t>
                       </a:r>
-                      <a:endParaRPr lang="en-US" dirty="0"/>
                     </a:p>
                   </a:txBody>
                   <a:tcPr/>
@@ -3786,10 +3827,9 @@
                     <a:p>
                       <a:pPr algn="ctr"/>
                       <a:r>
-                        <a:rPr lang="en-US" dirty="0" smtClean="0"/>
+                        <a:rPr lang="en-US" dirty="0"/>
                         <a:t>C</a:t>
                       </a:r>
-                      <a:endParaRPr lang="en-US" dirty="0"/>
                     </a:p>
                   </a:txBody>
                   <a:tcPr/>
@@ -3801,10 +3841,9 @@
                     <a:p>
                       <a:pPr algn="ctr"/>
                       <a:r>
-                        <a:rPr lang="en-US" dirty="0" smtClean="0"/>
+                        <a:rPr lang="en-US" dirty="0"/>
                         <a:t>D</a:t>
                       </a:r>
-                      <a:endParaRPr lang="en-US" dirty="0"/>
                     </a:p>
                   </a:txBody>
                   <a:tcPr/>
@@ -3816,10 +3855,9 @@
                     <a:p>
                       <a:pPr algn="ctr"/>
                       <a:r>
-                        <a:rPr lang="en-US" dirty="0" smtClean="0"/>
+                        <a:rPr lang="en-US" dirty="0"/>
                         <a:t>E</a:t>
                       </a:r>
-                      <a:endParaRPr lang="en-US" dirty="0"/>
                     </a:p>
                   </a:txBody>
                   <a:tcPr/>
@@ -3831,10 +3869,9 @@
                     <a:p>
                       <a:pPr algn="ctr"/>
                       <a:r>
-                        <a:rPr lang="en-US" dirty="0" smtClean="0"/>
+                        <a:rPr lang="en-US" dirty="0"/>
                         <a:t>F</a:t>
                       </a:r>
-                      <a:endParaRPr lang="en-US" dirty="0"/>
                     </a:p>
                   </a:txBody>
                   <a:tcPr/>
@@ -3846,14 +3883,18 @@
                     <a:p>
                       <a:pPr algn="ctr"/>
                       <a:r>
-                        <a:rPr lang="en-US" dirty="0" smtClean="0"/>
+                        <a:rPr lang="en-US" dirty="0"/>
                         <a:t>G</a:t>
                       </a:r>
-                      <a:endParaRPr lang="en-US" dirty="0"/>
                     </a:p>
                   </a:txBody>
                   <a:tcPr/>
                 </a:tc>
+                <a:extLst>
+                  <a:ext uri="{0D108BD9-81ED-4DB2-BD59-A6C34878D82A}">
+                    <a16:rowId xmlns:a16="http://schemas.microsoft.com/office/drawing/2014/main" val="10000"/>
+                  </a:ext>
+                </a:extLst>
               </a:tr>
             </a:tbl>
           </a:graphicData>
@@ -5054,7 +5095,7 @@
           <a:p>
             <a:pPr algn="ctr" defTabSz="685783"/>
             <a:r>
-              <a:rPr lang="en-US" sz="2700" dirty="0" smtClean="0">
+              <a:rPr lang="en-US" sz="2700" dirty="0">
                 <a:solidFill>
                   <a:prstClr val="black"/>
                 </a:solidFill>
@@ -5062,12 +5103,6 @@
               </a:rPr>
               <a:t>D</a:t>
             </a:r>
-            <a:endParaRPr lang="en-US" sz="2700" dirty="0">
-              <a:solidFill>
-                <a:prstClr val="black"/>
-              </a:solidFill>
-              <a:latin typeface="Calibri"/>
-            </a:endParaRPr>
           </a:p>
         </p:txBody>
       </p:sp>
@@ -5114,7 +5149,7 @@
           <a:p>
             <a:pPr algn="ctr" defTabSz="685783"/>
             <a:r>
-              <a:rPr lang="en-US" sz="2700" dirty="0" smtClean="0">
+              <a:rPr lang="en-US" sz="2700" dirty="0">
                 <a:solidFill>
                   <a:prstClr val="black"/>
                 </a:solidFill>
@@ -5122,12 +5157,6 @@
               </a:rPr>
               <a:t>E</a:t>
             </a:r>
-            <a:endParaRPr lang="en-US" sz="2700" dirty="0">
-              <a:solidFill>
-                <a:prstClr val="black"/>
-              </a:solidFill>
-              <a:latin typeface="Calibri"/>
-            </a:endParaRPr>
           </a:p>
         </p:txBody>
       </p:sp>
@@ -5174,7 +5203,7 @@
           <a:p>
             <a:pPr algn="ctr" defTabSz="685783"/>
             <a:r>
-              <a:rPr lang="en-US" sz="2700" dirty="0" smtClean="0">
+              <a:rPr lang="en-US" sz="2700" dirty="0">
                 <a:solidFill>
                   <a:schemeClr val="tx1"/>
                 </a:solidFill>
@@ -5182,12 +5211,6 @@
               </a:rPr>
               <a:t>F</a:t>
             </a:r>
-            <a:endParaRPr lang="en-US" sz="2700" dirty="0">
-              <a:solidFill>
-                <a:schemeClr val="tx1"/>
-              </a:solidFill>
-              <a:latin typeface="Calibri"/>
-            </a:endParaRPr>
           </a:p>
         </p:txBody>
       </p:sp>
@@ -5234,7 +5257,7 @@
           <a:p>
             <a:pPr algn="ctr" defTabSz="685783"/>
             <a:r>
-              <a:rPr lang="en-US" sz="2700" dirty="0" smtClean="0">
+              <a:rPr lang="en-US" sz="2700" dirty="0">
                 <a:solidFill>
                   <a:schemeClr val="tx1"/>
                 </a:solidFill>
@@ -5242,12 +5265,6 @@
               </a:rPr>
               <a:t>C</a:t>
             </a:r>
-            <a:endParaRPr lang="en-US" sz="2700" dirty="0">
-              <a:solidFill>
-                <a:schemeClr val="tx1"/>
-              </a:solidFill>
-              <a:latin typeface="Calibri"/>
-            </a:endParaRPr>
           </a:p>
         </p:txBody>
       </p:sp>
@@ -5593,7 +5610,7 @@
           <a:p>
             <a:pPr algn="ctr" defTabSz="685783"/>
             <a:r>
-              <a:rPr lang="en-US" sz="2700" dirty="0" smtClean="0">
+              <a:rPr lang="en-US" sz="2700" dirty="0">
                 <a:solidFill>
                   <a:prstClr val="black"/>
                 </a:solidFill>
@@ -5601,12 +5618,6 @@
               </a:rPr>
               <a:t>D</a:t>
             </a:r>
-            <a:endParaRPr lang="en-US" sz="2700" dirty="0">
-              <a:solidFill>
-                <a:prstClr val="black"/>
-              </a:solidFill>
-              <a:latin typeface="Calibri"/>
-            </a:endParaRPr>
           </a:p>
         </p:txBody>
       </p:sp>
@@ -5653,7 +5664,7 @@
           <a:p>
             <a:pPr algn="ctr" defTabSz="685783"/>
             <a:r>
-              <a:rPr lang="en-US" sz="2700" dirty="0" smtClean="0">
+              <a:rPr lang="en-US" sz="2700" dirty="0">
                 <a:solidFill>
                   <a:prstClr val="black"/>
                 </a:solidFill>
@@ -5661,12 +5672,6 @@
               </a:rPr>
               <a:t>E</a:t>
             </a:r>
-            <a:endParaRPr lang="en-US" sz="2700" dirty="0">
-              <a:solidFill>
-                <a:prstClr val="black"/>
-              </a:solidFill>
-              <a:latin typeface="Calibri"/>
-            </a:endParaRPr>
           </a:p>
         </p:txBody>
       </p:sp>
@@ -5713,7 +5718,7 @@
           <a:p>
             <a:pPr algn="ctr" defTabSz="685783"/>
             <a:r>
-              <a:rPr lang="en-US" sz="2700" dirty="0" smtClean="0">
+              <a:rPr lang="en-US" sz="2700" dirty="0">
                 <a:solidFill>
                   <a:schemeClr val="tx1"/>
                 </a:solidFill>
@@ -5721,12 +5726,6 @@
               </a:rPr>
               <a:t>F</a:t>
             </a:r>
-            <a:endParaRPr lang="en-US" sz="2700" dirty="0">
-              <a:solidFill>
-                <a:schemeClr val="tx1"/>
-              </a:solidFill>
-              <a:latin typeface="Calibri"/>
-            </a:endParaRPr>
           </a:p>
         </p:txBody>
       </p:sp>
@@ -5773,7 +5772,7 @@
           <a:p>
             <a:pPr algn="ctr" defTabSz="685783"/>
             <a:r>
-              <a:rPr lang="en-US" sz="2700" dirty="0" smtClean="0">
+              <a:rPr lang="en-US" sz="2700" dirty="0">
                 <a:solidFill>
                   <a:schemeClr val="tx1"/>
                 </a:solidFill>
@@ -5781,12 +5780,6 @@
               </a:rPr>
               <a:t>C</a:t>
             </a:r>
-            <a:endParaRPr lang="en-US" sz="2700" dirty="0">
-              <a:solidFill>
-                <a:schemeClr val="tx1"/>
-              </a:solidFill>
-              <a:latin typeface="Calibri"/>
-            </a:endParaRPr>
           </a:p>
         </p:txBody>
       </p:sp>
@@ -5993,7 +5986,7 @@
           <a:p>
             <a:pPr algn="ctr" defTabSz="685783"/>
             <a:r>
-              <a:rPr lang="en-US" sz="2700" dirty="0" smtClean="0">
+              <a:rPr lang="en-US" sz="2700" dirty="0">
                 <a:solidFill>
                   <a:prstClr val="black"/>
                 </a:solidFill>
@@ -6001,12 +5994,6 @@
               </a:rPr>
               <a:t>G</a:t>
             </a:r>
-            <a:endParaRPr lang="en-US" sz="2700" dirty="0">
-              <a:solidFill>
-                <a:prstClr val="black"/>
-              </a:solidFill>
-              <a:latin typeface="Calibri"/>
-            </a:endParaRPr>
           </a:p>
         </p:txBody>
       </p:sp>
@@ -6093,7 +6080,7 @@
           <a:p>
             <a:pPr algn="ctr" defTabSz="685783"/>
             <a:r>
-              <a:rPr lang="en-US" sz="2700" dirty="0" smtClean="0">
+              <a:rPr lang="en-US" sz="2700" dirty="0">
                 <a:solidFill>
                   <a:prstClr val="black"/>
                 </a:solidFill>
@@ -6101,12 +6088,6 @@
               </a:rPr>
               <a:t>H</a:t>
             </a:r>
-            <a:endParaRPr lang="en-US" sz="2700" dirty="0">
-              <a:solidFill>
-                <a:prstClr val="black"/>
-              </a:solidFill>
-              <a:latin typeface="Calibri"/>
-            </a:endParaRPr>
           </a:p>
         </p:txBody>
       </p:sp>
@@ -6193,7 +6174,7 @@
           <a:p>
             <a:pPr algn="ctr" defTabSz="685783"/>
             <a:r>
-              <a:rPr lang="en-US" sz="2700" dirty="0" smtClean="0">
+              <a:rPr lang="en-US" sz="2700" dirty="0">
                 <a:solidFill>
                   <a:prstClr val="black"/>
                 </a:solidFill>
@@ -6201,12 +6182,6 @@
               </a:rPr>
               <a:t>I</a:t>
             </a:r>
-            <a:endParaRPr lang="en-US" sz="2700" dirty="0">
-              <a:solidFill>
-                <a:prstClr val="black"/>
-              </a:solidFill>
-              <a:latin typeface="Calibri"/>
-            </a:endParaRPr>
           </a:p>
         </p:txBody>
       </p:sp>
@@ -6432,7 +6407,7 @@
           <a:p>
             <a:pPr algn="ctr" defTabSz="685783"/>
             <a:r>
-              <a:rPr lang="en-US" sz="2700" dirty="0" smtClean="0">
+              <a:rPr lang="en-US" sz="2700" dirty="0">
                 <a:solidFill>
                   <a:prstClr val="black"/>
                 </a:solidFill>
@@ -6440,12 +6415,6 @@
               </a:rPr>
               <a:t>D</a:t>
             </a:r>
-            <a:endParaRPr lang="en-US" sz="2700" dirty="0">
-              <a:solidFill>
-                <a:prstClr val="black"/>
-              </a:solidFill>
-              <a:latin typeface="Calibri"/>
-            </a:endParaRPr>
           </a:p>
         </p:txBody>
       </p:sp>
@@ -6492,7 +6461,7 @@
           <a:p>
             <a:pPr algn="ctr" defTabSz="685783"/>
             <a:r>
-              <a:rPr lang="en-US" sz="2700" dirty="0" smtClean="0">
+              <a:rPr lang="en-US" sz="2700" dirty="0">
                 <a:solidFill>
                   <a:prstClr val="black"/>
                 </a:solidFill>
@@ -6500,12 +6469,6 @@
               </a:rPr>
               <a:t>E</a:t>
             </a:r>
-            <a:endParaRPr lang="en-US" sz="2700" dirty="0">
-              <a:solidFill>
-                <a:prstClr val="black"/>
-              </a:solidFill>
-              <a:latin typeface="Calibri"/>
-            </a:endParaRPr>
           </a:p>
         </p:txBody>
       </p:sp>
@@ -6552,7 +6515,7 @@
           <a:p>
             <a:pPr algn="ctr" defTabSz="685783"/>
             <a:r>
-              <a:rPr lang="en-US" sz="2700" dirty="0" smtClean="0">
+              <a:rPr lang="en-US" sz="2700" dirty="0">
                 <a:solidFill>
                   <a:schemeClr val="tx1"/>
                 </a:solidFill>
@@ -6560,12 +6523,6 @@
               </a:rPr>
               <a:t>F</a:t>
             </a:r>
-            <a:endParaRPr lang="en-US" sz="2700" dirty="0">
-              <a:solidFill>
-                <a:schemeClr val="tx1"/>
-              </a:solidFill>
-              <a:latin typeface="Calibri"/>
-            </a:endParaRPr>
           </a:p>
         </p:txBody>
       </p:sp>
@@ -6612,7 +6569,7 @@
           <a:p>
             <a:pPr algn="ctr" defTabSz="685783"/>
             <a:r>
-              <a:rPr lang="en-US" sz="2700" dirty="0" smtClean="0">
+              <a:rPr lang="en-US" sz="2700" dirty="0">
                 <a:solidFill>
                   <a:schemeClr val="tx1"/>
                 </a:solidFill>
@@ -6620,12 +6577,6 @@
               </a:rPr>
               <a:t>C</a:t>
             </a:r>
-            <a:endParaRPr lang="en-US" sz="2700" dirty="0">
-              <a:solidFill>
-                <a:schemeClr val="tx1"/>
-              </a:solidFill>
-              <a:latin typeface="Calibri"/>
-            </a:endParaRPr>
           </a:p>
         </p:txBody>
       </p:sp>
@@ -6832,7 +6783,7 @@
           <a:p>
             <a:pPr algn="ctr" defTabSz="685783"/>
             <a:r>
-              <a:rPr lang="en-US" sz="2700" dirty="0" smtClean="0">
+              <a:rPr lang="en-US" sz="2700" dirty="0">
                 <a:solidFill>
                   <a:prstClr val="black"/>
                 </a:solidFill>
@@ -6840,12 +6791,6 @@
               </a:rPr>
               <a:t>G</a:t>
             </a:r>
-            <a:endParaRPr lang="en-US" sz="2700" dirty="0">
-              <a:solidFill>
-                <a:prstClr val="black"/>
-              </a:solidFill>
-              <a:latin typeface="Calibri"/>
-            </a:endParaRPr>
           </a:p>
         </p:txBody>
       </p:sp>
@@ -6932,7 +6877,7 @@
           <a:p>
             <a:pPr algn="ctr" defTabSz="685783"/>
             <a:r>
-              <a:rPr lang="en-US" sz="2700" dirty="0" smtClean="0">
+              <a:rPr lang="en-US" sz="2700" dirty="0">
                 <a:solidFill>
                   <a:prstClr val="black"/>
                 </a:solidFill>
@@ -6940,12 +6885,6 @@
               </a:rPr>
               <a:t>H</a:t>
             </a:r>
-            <a:endParaRPr lang="en-US" sz="2700" dirty="0">
-              <a:solidFill>
-                <a:prstClr val="black"/>
-              </a:solidFill>
-              <a:latin typeface="Calibri"/>
-            </a:endParaRPr>
           </a:p>
         </p:txBody>
       </p:sp>
@@ -7032,7 +6971,7 @@
           <a:p>
             <a:pPr algn="ctr" defTabSz="685783"/>
             <a:r>
-              <a:rPr lang="en-US" sz="2700" dirty="0" smtClean="0">
+              <a:rPr lang="en-US" sz="2700" dirty="0">
                 <a:solidFill>
                   <a:prstClr val="black"/>
                 </a:solidFill>
@@ -7040,12 +6979,6 @@
               </a:rPr>
               <a:t>I</a:t>
             </a:r>
-            <a:endParaRPr lang="en-US" sz="2700" dirty="0">
-              <a:solidFill>
-                <a:prstClr val="black"/>
-              </a:solidFill>
-              <a:latin typeface="Calibri"/>
-            </a:endParaRPr>
           </a:p>
         </p:txBody>
       </p:sp>
@@ -7168,7 +7101,7 @@
           <p:nvPr>
             <p:extLst>
               <p:ext uri="{D42A27DB-BD31-4B8C-83A1-F6EECF244321}">
-                <p14:modId xmlns:p14="http://schemas.microsoft.com/office/powerpoint/2010/main" val="640123000"/>
+                <p14:modId xmlns:p14="http://schemas.microsoft.com/office/powerpoint/2010/main" val="4248359575"/>
               </p:ext>
             </p:extLst>
           </p:nvPr>
@@ -7184,12 +7117,48 @@
                 <a:tableStyleId>{5940675A-B579-460E-94D1-54222C63F5DA}</a:tableStyleId>
               </a:tblPr>
               <a:tblGrid>
-                <a:gridCol w="830599"/>
-                <a:gridCol w="830599"/>
-                <a:gridCol w="830599"/>
-                <a:gridCol w="830599"/>
-                <a:gridCol w="830599"/>
-                <a:gridCol w="830599"/>
+                <a:gridCol w="830599">
+                  <a:extLst>
+                    <a:ext uri="{9D8B030D-6E8A-4147-A177-3AD203B41FA5}">
+                      <a16:colId xmlns:a16="http://schemas.microsoft.com/office/drawing/2014/main" val="20000"/>
+                    </a:ext>
+                  </a:extLst>
+                </a:gridCol>
+                <a:gridCol w="830599">
+                  <a:extLst>
+                    <a:ext uri="{9D8B030D-6E8A-4147-A177-3AD203B41FA5}">
+                      <a16:colId xmlns:a16="http://schemas.microsoft.com/office/drawing/2014/main" val="20001"/>
+                    </a:ext>
+                  </a:extLst>
+                </a:gridCol>
+                <a:gridCol w="830599">
+                  <a:extLst>
+                    <a:ext uri="{9D8B030D-6E8A-4147-A177-3AD203B41FA5}">
+                      <a16:colId xmlns:a16="http://schemas.microsoft.com/office/drawing/2014/main" val="20002"/>
+                    </a:ext>
+                  </a:extLst>
+                </a:gridCol>
+                <a:gridCol w="830599">
+                  <a:extLst>
+                    <a:ext uri="{9D8B030D-6E8A-4147-A177-3AD203B41FA5}">
+                      <a16:colId xmlns:a16="http://schemas.microsoft.com/office/drawing/2014/main" val="20003"/>
+                    </a:ext>
+                  </a:extLst>
+                </a:gridCol>
+                <a:gridCol w="830599">
+                  <a:extLst>
+                    <a:ext uri="{9D8B030D-6E8A-4147-A177-3AD203B41FA5}">
+                      <a16:colId xmlns:a16="http://schemas.microsoft.com/office/drawing/2014/main" val="20004"/>
+                    </a:ext>
+                  </a:extLst>
+                </a:gridCol>
+                <a:gridCol w="830599">
+                  <a:extLst>
+                    <a:ext uri="{9D8B030D-6E8A-4147-A177-3AD203B41FA5}">
+                      <a16:colId xmlns:a16="http://schemas.microsoft.com/office/drawing/2014/main" val="20005"/>
+                    </a:ext>
+                  </a:extLst>
+                </a:gridCol>
               </a:tblGrid>
               <a:tr h="266279">
                 <a:tc>
@@ -7199,10 +7168,9 @@
                     <a:p>
                       <a:pPr algn="ctr"/>
                       <a:r>
-                        <a:rPr lang="en-US" dirty="0" smtClean="0"/>
+                        <a:rPr lang="en-US" dirty="0"/>
                         <a:t>?</a:t>
                       </a:r>
-                      <a:endParaRPr lang="en-US" dirty="0"/>
                     </a:p>
                   </a:txBody>
                   <a:tcPr/>
@@ -7214,10 +7182,9 @@
                     <a:p>
                       <a:pPr algn="ctr"/>
                       <a:r>
-                        <a:rPr lang="en-US" dirty="0" smtClean="0"/>
+                        <a:rPr lang="en-US" dirty="0"/>
                         <a:t>?</a:t>
                       </a:r>
-                      <a:endParaRPr lang="en-US" dirty="0"/>
                     </a:p>
                   </a:txBody>
                   <a:tcPr/>
@@ -7229,10 +7196,9 @@
                     <a:p>
                       <a:pPr algn="ctr"/>
                       <a:r>
-                        <a:rPr lang="en-US" dirty="0" smtClean="0"/>
+                        <a:rPr lang="en-US" dirty="0"/>
                         <a:t>?</a:t>
                       </a:r>
-                      <a:endParaRPr lang="en-US" dirty="0"/>
                     </a:p>
                   </a:txBody>
                   <a:tcPr/>
@@ -7244,10 +7210,9 @@
                     <a:p>
                       <a:pPr algn="ctr"/>
                       <a:r>
-                        <a:rPr lang="en-US" dirty="0" smtClean="0"/>
+                        <a:rPr lang="en-US" dirty="0"/>
                         <a:t>?</a:t>
                       </a:r>
-                      <a:endParaRPr lang="en-US" dirty="0"/>
                     </a:p>
                   </a:txBody>
                   <a:tcPr/>
@@ -7259,10 +7224,9 @@
                     <a:p>
                       <a:pPr algn="ctr"/>
                       <a:r>
-                        <a:rPr lang="en-US" dirty="0" smtClean="0"/>
+                        <a:rPr lang="en-US" dirty="0"/>
                         <a:t>?</a:t>
                       </a:r>
-                      <a:endParaRPr lang="en-US" dirty="0"/>
                     </a:p>
                   </a:txBody>
                   <a:tcPr/>
@@ -7274,14 +7238,18 @@
                     <a:p>
                       <a:pPr algn="ctr"/>
                       <a:r>
-                        <a:rPr lang="en-US" dirty="0" smtClean="0"/>
+                        <a:rPr lang="en-US" dirty="0"/>
                         <a:t>?</a:t>
                       </a:r>
-                      <a:endParaRPr lang="en-US" dirty="0"/>
                     </a:p>
                   </a:txBody>
                   <a:tcPr/>
                 </a:tc>
+                <a:extLst>
+                  <a:ext uri="{0D108BD9-81ED-4DB2-BD59-A6C34878D82A}">
+                    <a16:rowId xmlns:a16="http://schemas.microsoft.com/office/drawing/2014/main" val="10000"/>
+                  </a:ext>
+                </a:extLst>
               </a:tr>
             </a:tbl>
           </a:graphicData>
@@ -7296,7 +7264,7 @@
           <p:nvPr>
             <p:extLst>
               <p:ext uri="{D42A27DB-BD31-4B8C-83A1-F6EECF244321}">
-                <p14:modId xmlns:p14="http://schemas.microsoft.com/office/powerpoint/2010/main" val="2730854273"/>
+                <p14:modId xmlns:p14="http://schemas.microsoft.com/office/powerpoint/2010/main" val="136763885"/>
               </p:ext>
             </p:extLst>
           </p:nvPr>
@@ -7312,12 +7280,48 @@
                 <a:tableStyleId>{2D5ABB26-0587-4C30-8999-92F81FD0307C}</a:tableStyleId>
               </a:tblPr>
               <a:tblGrid>
-                <a:gridCol w="830599"/>
-                <a:gridCol w="830599"/>
-                <a:gridCol w="830599"/>
-                <a:gridCol w="830599"/>
-                <a:gridCol w="830599"/>
-                <a:gridCol w="830599"/>
+                <a:gridCol w="830599">
+                  <a:extLst>
+                    <a:ext uri="{9D8B030D-6E8A-4147-A177-3AD203B41FA5}">
+                      <a16:colId xmlns:a16="http://schemas.microsoft.com/office/drawing/2014/main" val="20000"/>
+                    </a:ext>
+                  </a:extLst>
+                </a:gridCol>
+                <a:gridCol w="830599">
+                  <a:extLst>
+                    <a:ext uri="{9D8B030D-6E8A-4147-A177-3AD203B41FA5}">
+                      <a16:colId xmlns:a16="http://schemas.microsoft.com/office/drawing/2014/main" val="20001"/>
+                    </a:ext>
+                  </a:extLst>
+                </a:gridCol>
+                <a:gridCol w="830599">
+                  <a:extLst>
+                    <a:ext uri="{9D8B030D-6E8A-4147-A177-3AD203B41FA5}">
+                      <a16:colId xmlns:a16="http://schemas.microsoft.com/office/drawing/2014/main" val="20002"/>
+                    </a:ext>
+                  </a:extLst>
+                </a:gridCol>
+                <a:gridCol w="830599">
+                  <a:extLst>
+                    <a:ext uri="{9D8B030D-6E8A-4147-A177-3AD203B41FA5}">
+                      <a16:colId xmlns:a16="http://schemas.microsoft.com/office/drawing/2014/main" val="20003"/>
+                    </a:ext>
+                  </a:extLst>
+                </a:gridCol>
+                <a:gridCol w="830599">
+                  <a:extLst>
+                    <a:ext uri="{9D8B030D-6E8A-4147-A177-3AD203B41FA5}">
+                      <a16:colId xmlns:a16="http://schemas.microsoft.com/office/drawing/2014/main" val="20004"/>
+                    </a:ext>
+                  </a:extLst>
+                </a:gridCol>
+                <a:gridCol w="830599">
+                  <a:extLst>
+                    <a:ext uri="{9D8B030D-6E8A-4147-A177-3AD203B41FA5}">
+                      <a16:colId xmlns:a16="http://schemas.microsoft.com/office/drawing/2014/main" val="20005"/>
+                    </a:ext>
+                  </a:extLst>
+                </a:gridCol>
               </a:tblGrid>
               <a:tr h="266279">
                 <a:tc>
@@ -7327,10 +7331,9 @@
                     <a:p>
                       <a:pPr algn="ctr"/>
                       <a:r>
-                        <a:rPr lang="en-US" dirty="0" smtClean="0"/>
+                        <a:rPr lang="en-US" dirty="0"/>
                         <a:t>0</a:t>
                       </a:r>
-                      <a:endParaRPr lang="en-US" dirty="0"/>
                     </a:p>
                   </a:txBody>
                   <a:tcPr/>
@@ -7342,10 +7345,9 @@
                     <a:p>
                       <a:pPr algn="ctr"/>
                       <a:r>
-                        <a:rPr lang="en-US" dirty="0" smtClean="0"/>
+                        <a:rPr lang="en-US" dirty="0"/>
                         <a:t>1</a:t>
                       </a:r>
-                      <a:endParaRPr lang="en-US" dirty="0"/>
                     </a:p>
                   </a:txBody>
                   <a:tcPr/>
@@ -7357,10 +7359,9 @@
                     <a:p>
                       <a:pPr algn="ctr"/>
                       <a:r>
-                        <a:rPr lang="en-US" dirty="0" smtClean="0"/>
+                        <a:rPr lang="en-US" dirty="0"/>
                         <a:t>2</a:t>
                       </a:r>
-                      <a:endParaRPr lang="en-US" dirty="0"/>
                     </a:p>
                   </a:txBody>
                   <a:tcPr/>
@@ -7372,10 +7373,9 @@
                     <a:p>
                       <a:pPr algn="ctr"/>
                       <a:r>
-                        <a:rPr lang="en-US" dirty="0" smtClean="0"/>
+                        <a:rPr lang="en-US" dirty="0"/>
                         <a:t>3</a:t>
                       </a:r>
-                      <a:endParaRPr lang="en-US" dirty="0"/>
                     </a:p>
                   </a:txBody>
                   <a:tcPr/>
@@ -7387,10 +7387,9 @@
                     <a:p>
                       <a:pPr algn="ctr"/>
                       <a:r>
-                        <a:rPr lang="en-US" dirty="0" smtClean="0"/>
+                        <a:rPr lang="en-US" dirty="0"/>
                         <a:t>4</a:t>
                       </a:r>
-                      <a:endParaRPr lang="en-US" dirty="0"/>
                     </a:p>
                   </a:txBody>
                   <a:tcPr/>
@@ -7402,14 +7401,18 @@
                     <a:p>
                       <a:pPr algn="ctr"/>
                       <a:r>
-                        <a:rPr lang="en-US" dirty="0" smtClean="0"/>
+                        <a:rPr lang="en-US" dirty="0"/>
                         <a:t>5</a:t>
                       </a:r>
-                      <a:endParaRPr lang="en-US" dirty="0"/>
                     </a:p>
                   </a:txBody>
                   <a:tcPr/>
                 </a:tc>
+                <a:extLst>
+                  <a:ext uri="{0D108BD9-81ED-4DB2-BD59-A6C34878D82A}">
+                    <a16:rowId xmlns:a16="http://schemas.microsoft.com/office/drawing/2014/main" val="10000"/>
+                  </a:ext>
+                </a:extLst>
               </a:tr>
             </a:tbl>
           </a:graphicData>
@@ -7459,7 +7462,7 @@
           <a:p>
             <a:pPr algn="ctr" defTabSz="685783"/>
             <a:r>
-              <a:rPr lang="en-US" sz="2700" dirty="0" smtClean="0">
+              <a:rPr lang="en-US" sz="2700" dirty="0">
                 <a:solidFill>
                   <a:schemeClr val="tx1"/>
                 </a:solidFill>
@@ -7467,12 +7470,6 @@
               </a:rPr>
               <a:t>0</a:t>
             </a:r>
-            <a:endParaRPr lang="en-US" sz="2700" dirty="0">
-              <a:solidFill>
-                <a:schemeClr val="tx1"/>
-              </a:solidFill>
-              <a:latin typeface="Calibri"/>
-            </a:endParaRPr>
           </a:p>
         </p:txBody>
       </p:sp>
@@ -7519,7 +7516,7 @@
           <a:p>
             <a:pPr algn="ctr" defTabSz="685783"/>
             <a:r>
-              <a:rPr lang="en-US" sz="2700" dirty="0" smtClean="0">
+              <a:rPr lang="en-US" sz="2700" dirty="0">
                 <a:solidFill>
                   <a:prstClr val="black"/>
                 </a:solidFill>
@@ -7527,12 +7524,6 @@
               </a:rPr>
               <a:t>1</a:t>
             </a:r>
-            <a:endParaRPr lang="en-US" sz="2700" dirty="0">
-              <a:solidFill>
-                <a:prstClr val="black"/>
-              </a:solidFill>
-              <a:latin typeface="Calibri"/>
-            </a:endParaRPr>
           </a:p>
         </p:txBody>
       </p:sp>
@@ -7579,7 +7570,7 @@
           <a:p>
             <a:pPr algn="ctr" defTabSz="685783"/>
             <a:r>
-              <a:rPr lang="en-US" sz="2700" dirty="0" smtClean="0">
+              <a:rPr lang="en-US" sz="2700" dirty="0">
                 <a:solidFill>
                   <a:prstClr val="black"/>
                 </a:solidFill>
@@ -7587,12 +7578,6 @@
               </a:rPr>
               <a:t>2</a:t>
             </a:r>
-            <a:endParaRPr lang="en-US" sz="2700" dirty="0">
-              <a:solidFill>
-                <a:prstClr val="black"/>
-              </a:solidFill>
-              <a:latin typeface="Calibri"/>
-            </a:endParaRPr>
           </a:p>
         </p:txBody>
       </p:sp>
@@ -7639,7 +7624,7 @@
           <a:p>
             <a:pPr algn="ctr" defTabSz="685783"/>
             <a:r>
-              <a:rPr lang="en-US" sz="2700" dirty="0" smtClean="0">
+              <a:rPr lang="en-US" sz="2700" dirty="0">
                 <a:solidFill>
                   <a:prstClr val="black"/>
                 </a:solidFill>
@@ -7647,12 +7632,6 @@
               </a:rPr>
               <a:t>3</a:t>
             </a:r>
-            <a:endParaRPr lang="en-US" sz="2700" dirty="0">
-              <a:solidFill>
-                <a:prstClr val="black"/>
-              </a:solidFill>
-              <a:latin typeface="Calibri"/>
-            </a:endParaRPr>
           </a:p>
         </p:txBody>
       </p:sp>
@@ -7699,7 +7678,7 @@
           <a:p>
             <a:pPr algn="ctr" defTabSz="685783"/>
             <a:r>
-              <a:rPr lang="en-US" sz="2700" dirty="0" smtClean="0">
+              <a:rPr lang="en-US" sz="2700" dirty="0">
                 <a:solidFill>
                   <a:schemeClr val="tx1"/>
                 </a:solidFill>
@@ -7707,12 +7686,6 @@
               </a:rPr>
               <a:t>4</a:t>
             </a:r>
-            <a:endParaRPr lang="en-US" sz="2700" dirty="0">
-              <a:solidFill>
-                <a:schemeClr val="tx1"/>
-              </a:solidFill>
-              <a:latin typeface="Calibri"/>
-            </a:endParaRPr>
           </a:p>
         </p:txBody>
       </p:sp>
@@ -7799,7 +7772,7 @@
           <a:p>
             <a:pPr algn="ctr" defTabSz="685783"/>
             <a:r>
-              <a:rPr lang="en-US" sz="2700" dirty="0" smtClean="0">
+              <a:rPr lang="en-US" sz="2700" dirty="0">
                 <a:solidFill>
                   <a:schemeClr val="tx1"/>
                 </a:solidFill>
@@ -7807,12 +7780,6 @@
               </a:rPr>
               <a:t>5</a:t>
             </a:r>
-            <a:endParaRPr lang="en-US" sz="2700" dirty="0">
-              <a:solidFill>
-                <a:schemeClr val="tx1"/>
-              </a:solidFill>
-              <a:latin typeface="Calibri"/>
-            </a:endParaRPr>
           </a:p>
         </p:txBody>
       </p:sp>
@@ -7970,7 +7937,7 @@
           <a:p>
             <a:pPr algn="ctr" defTabSz="685783"/>
             <a:r>
-              <a:rPr lang="en-US" sz="2700" dirty="0" smtClean="0">
+              <a:rPr lang="en-US" sz="2700" dirty="0">
                 <a:solidFill>
                   <a:schemeClr val="tx1"/>
                 </a:solidFill>
@@ -7978,12 +7945,6 @@
               </a:rPr>
               <a:t>A</a:t>
             </a:r>
-            <a:endParaRPr lang="en-US" sz="2700" dirty="0">
-              <a:solidFill>
-                <a:schemeClr val="tx1"/>
-              </a:solidFill>
-              <a:latin typeface="Calibri"/>
-            </a:endParaRPr>
           </a:p>
         </p:txBody>
       </p:sp>
@@ -8030,7 +7991,7 @@
           <a:p>
             <a:pPr algn="ctr" defTabSz="685783"/>
             <a:r>
-              <a:rPr lang="en-US" sz="2700" dirty="0" smtClean="0">
+              <a:rPr lang="en-US" sz="2700" dirty="0">
                 <a:solidFill>
                   <a:prstClr val="black"/>
                 </a:solidFill>
@@ -8038,12 +7999,6 @@
               </a:rPr>
               <a:t>B</a:t>
             </a:r>
-            <a:endParaRPr lang="en-US" sz="2700" dirty="0">
-              <a:solidFill>
-                <a:prstClr val="black"/>
-              </a:solidFill>
-              <a:latin typeface="Calibri"/>
-            </a:endParaRPr>
           </a:p>
         </p:txBody>
       </p:sp>
@@ -8090,7 +8045,7 @@
           <a:p>
             <a:pPr algn="ctr" defTabSz="685783"/>
             <a:r>
-              <a:rPr lang="en-US" sz="2700" dirty="0" smtClean="0">
+              <a:rPr lang="en-US" sz="2700" dirty="0">
                 <a:solidFill>
                   <a:prstClr val="black"/>
                 </a:solidFill>
@@ -8098,12 +8053,6 @@
               </a:rPr>
               <a:t>C</a:t>
             </a:r>
-            <a:endParaRPr lang="en-US" sz="2700" dirty="0">
-              <a:solidFill>
-                <a:prstClr val="black"/>
-              </a:solidFill>
-              <a:latin typeface="Calibri"/>
-            </a:endParaRPr>
           </a:p>
         </p:txBody>
       </p:sp>
@@ -8158,12 +8107,6 @@
               </a:rPr>
               <a:t>D</a:t>
             </a:r>
-            <a:endParaRPr lang="en-US" sz="2700" dirty="0">
-              <a:solidFill>
-                <a:prstClr val="black"/>
-              </a:solidFill>
-              <a:latin typeface="Calibri"/>
-            </a:endParaRPr>
           </a:p>
         </p:txBody>
       </p:sp>
@@ -8210,7 +8153,7 @@
           <a:p>
             <a:pPr algn="ctr" defTabSz="685783"/>
             <a:r>
-              <a:rPr lang="en-US" sz="2700" dirty="0" smtClean="0">
+              <a:rPr lang="en-US" sz="2700" dirty="0">
                 <a:solidFill>
                   <a:schemeClr val="tx1"/>
                 </a:solidFill>
@@ -8218,12 +8161,6 @@
               </a:rPr>
               <a:t>E</a:t>
             </a:r>
-            <a:endParaRPr lang="en-US" sz="2700" dirty="0">
-              <a:solidFill>
-                <a:schemeClr val="tx1"/>
-              </a:solidFill>
-              <a:latin typeface="Calibri"/>
-            </a:endParaRPr>
           </a:p>
         </p:txBody>
       </p:sp>
@@ -8310,7 +8247,7 @@
           <a:p>
             <a:pPr algn="ctr" defTabSz="685783"/>
             <a:r>
-              <a:rPr lang="en-US" sz="2700" dirty="0" smtClean="0">
+              <a:rPr lang="en-US" sz="2700" dirty="0">
                 <a:solidFill>
                   <a:schemeClr val="tx1"/>
                 </a:solidFill>
@@ -8318,12 +8255,6 @@
               </a:rPr>
               <a:t>F</a:t>
             </a:r>
-            <a:endParaRPr lang="en-US" sz="2700" dirty="0">
-              <a:solidFill>
-                <a:schemeClr val="tx1"/>
-              </a:solidFill>
-              <a:latin typeface="Calibri"/>
-            </a:endParaRPr>
           </a:p>
         </p:txBody>
       </p:sp>
@@ -8561,7 +8492,7 @@
           <a:p>
             <a:pPr algn="ctr" defTabSz="685783"/>
             <a:r>
-              <a:rPr lang="en-US" sz="2700" dirty="0" smtClean="0">
+              <a:rPr lang="en-US" sz="2700" dirty="0">
                 <a:solidFill>
                   <a:schemeClr val="tx1"/>
                 </a:solidFill>
@@ -8569,12 +8500,6 @@
               </a:rPr>
               <a:t>A</a:t>
             </a:r>
-            <a:endParaRPr lang="en-US" sz="2700" dirty="0">
-              <a:solidFill>
-                <a:schemeClr val="tx1"/>
-              </a:solidFill>
-              <a:latin typeface="Calibri"/>
-            </a:endParaRPr>
           </a:p>
         </p:txBody>
       </p:sp>
@@ -8621,7 +8546,7 @@
           <a:p>
             <a:pPr algn="ctr" defTabSz="685783"/>
             <a:r>
-              <a:rPr lang="en-US" sz="2700" dirty="0" smtClean="0">
+              <a:rPr lang="en-US" sz="2700" dirty="0">
                 <a:solidFill>
                   <a:prstClr val="black"/>
                 </a:solidFill>
@@ -8629,12 +8554,6 @@
               </a:rPr>
               <a:t>B</a:t>
             </a:r>
-            <a:endParaRPr lang="en-US" sz="2700" dirty="0">
-              <a:solidFill>
-                <a:prstClr val="black"/>
-              </a:solidFill>
-              <a:latin typeface="Calibri"/>
-            </a:endParaRPr>
           </a:p>
         </p:txBody>
       </p:sp>
@@ -8681,7 +8600,7 @@
           <a:p>
             <a:pPr algn="ctr" defTabSz="685783"/>
             <a:r>
-              <a:rPr lang="en-US" sz="2700" dirty="0" smtClean="0">
+              <a:rPr lang="en-US" sz="2700" dirty="0">
                 <a:solidFill>
                   <a:prstClr val="black"/>
                 </a:solidFill>
@@ -8689,12 +8608,6 @@
               </a:rPr>
               <a:t>C</a:t>
             </a:r>
-            <a:endParaRPr lang="en-US" sz="2700" dirty="0">
-              <a:solidFill>
-                <a:prstClr val="black"/>
-              </a:solidFill>
-              <a:latin typeface="Calibri"/>
-            </a:endParaRPr>
           </a:p>
         </p:txBody>
       </p:sp>
@@ -8749,12 +8662,6 @@
               </a:rPr>
               <a:t>D</a:t>
             </a:r>
-            <a:endParaRPr lang="en-US" sz="2700" dirty="0">
-              <a:solidFill>
-                <a:prstClr val="black"/>
-              </a:solidFill>
-              <a:latin typeface="Calibri"/>
-            </a:endParaRPr>
           </a:p>
         </p:txBody>
       </p:sp>
@@ -8801,7 +8708,7 @@
           <a:p>
             <a:pPr algn="ctr" defTabSz="685783"/>
             <a:r>
-              <a:rPr lang="en-US" sz="2700" dirty="0" smtClean="0">
+              <a:rPr lang="en-US" sz="2700" dirty="0">
                 <a:solidFill>
                   <a:schemeClr val="tx1"/>
                 </a:solidFill>
@@ -8809,12 +8716,6 @@
               </a:rPr>
               <a:t>E</a:t>
             </a:r>
-            <a:endParaRPr lang="en-US" sz="2700" dirty="0">
-              <a:solidFill>
-                <a:schemeClr val="tx1"/>
-              </a:solidFill>
-              <a:latin typeface="Calibri"/>
-            </a:endParaRPr>
           </a:p>
         </p:txBody>
       </p:sp>
@@ -8901,7 +8802,7 @@
           <a:p>
             <a:pPr algn="ctr" defTabSz="685783"/>
             <a:r>
-              <a:rPr lang="en-US" sz="2700" dirty="0" smtClean="0">
+              <a:rPr lang="en-US" sz="2700" dirty="0">
                 <a:solidFill>
                   <a:schemeClr val="tx1"/>
                 </a:solidFill>
@@ -8909,12 +8810,6 @@
               </a:rPr>
               <a:t>F</a:t>
             </a:r>
-            <a:endParaRPr lang="en-US" sz="2700" dirty="0">
-              <a:solidFill>
-                <a:schemeClr val="tx1"/>
-              </a:solidFill>
-              <a:latin typeface="Calibri"/>
-            </a:endParaRPr>
           </a:p>
         </p:txBody>
       </p:sp>
@@ -9152,7 +9047,7 @@
           <a:p>
             <a:pPr algn="ctr" defTabSz="685783"/>
             <a:r>
-              <a:rPr lang="en-US" sz="2700" dirty="0" smtClean="0">
+              <a:rPr lang="en-US" sz="2700" dirty="0">
                 <a:solidFill>
                   <a:schemeClr val="tx1"/>
                 </a:solidFill>
@@ -9160,12 +9055,6 @@
               </a:rPr>
               <a:t>V</a:t>
             </a:r>
-            <a:endParaRPr lang="en-US" sz="2700" dirty="0">
-              <a:solidFill>
-                <a:schemeClr val="tx1"/>
-              </a:solidFill>
-              <a:latin typeface="Calibri"/>
-            </a:endParaRPr>
           </a:p>
         </p:txBody>
       </p:sp>
@@ -9212,7 +9101,7 @@
           <a:p>
             <a:pPr algn="ctr" defTabSz="685783"/>
             <a:r>
-              <a:rPr lang="en-US" sz="2700" dirty="0" smtClean="0">
+              <a:rPr lang="en-US" sz="2700" dirty="0">
                 <a:solidFill>
                   <a:prstClr val="black"/>
                 </a:solidFill>
@@ -9220,12 +9109,6 @@
               </a:rPr>
               <a:t>Z</a:t>
             </a:r>
-            <a:endParaRPr lang="en-US" sz="2700" dirty="0">
-              <a:solidFill>
-                <a:prstClr val="black"/>
-              </a:solidFill>
-              <a:latin typeface="Calibri"/>
-            </a:endParaRPr>
           </a:p>
         </p:txBody>
       </p:sp>
@@ -9272,7 +9155,7 @@
           <a:p>
             <a:pPr algn="ctr" defTabSz="685783"/>
             <a:r>
-              <a:rPr lang="en-US" sz="2700" dirty="0" smtClean="0">
+              <a:rPr lang="en-US" sz="2700" dirty="0">
                 <a:solidFill>
                   <a:prstClr val="black"/>
                 </a:solidFill>
@@ -9280,12 +9163,6 @@
               </a:rPr>
               <a:t>Y</a:t>
             </a:r>
-            <a:endParaRPr lang="en-US" sz="2700" dirty="0">
-              <a:solidFill>
-                <a:prstClr val="black"/>
-              </a:solidFill>
-              <a:latin typeface="Calibri"/>
-            </a:endParaRPr>
           </a:p>
         </p:txBody>
       </p:sp>
@@ -9332,7 +9209,7 @@
           <a:p>
             <a:pPr algn="ctr" defTabSz="685783"/>
             <a:r>
-              <a:rPr lang="en-US" sz="2700" dirty="0" smtClean="0">
+              <a:rPr lang="en-US" sz="2700" dirty="0">
                 <a:solidFill>
                   <a:schemeClr val="tx1"/>
                 </a:solidFill>
@@ -9340,12 +9217,6 @@
               </a:rPr>
               <a:t>W</a:t>
             </a:r>
-            <a:endParaRPr lang="en-US" sz="2700" dirty="0">
-              <a:solidFill>
-                <a:schemeClr val="tx1"/>
-              </a:solidFill>
-              <a:latin typeface="Calibri"/>
-            </a:endParaRPr>
           </a:p>
         </p:txBody>
       </p:sp>
@@ -9432,7 +9303,7 @@
           <a:p>
             <a:pPr algn="ctr" defTabSz="685783"/>
             <a:r>
-              <a:rPr lang="en-US" sz="2700" dirty="0" smtClean="0">
+              <a:rPr lang="en-US" sz="2700" dirty="0">
                 <a:solidFill>
                   <a:schemeClr val="tx1"/>
                 </a:solidFill>
@@ -9440,12 +9311,6 @@
               </a:rPr>
               <a:t>X</a:t>
             </a:r>
-            <a:endParaRPr lang="en-US" sz="2700" dirty="0">
-              <a:solidFill>
-                <a:schemeClr val="tx1"/>
-              </a:solidFill>
-              <a:latin typeface="Calibri"/>
-            </a:endParaRPr>
           </a:p>
         </p:txBody>
       </p:sp>
@@ -10430,11 +10295,41 @@
                 <a:tableStyleId>{5940675A-B579-460E-94D1-54222C63F5DA}</a:tableStyleId>
               </a:tblPr>
               <a:tblGrid>
-                <a:gridCol w="996719"/>
-                <a:gridCol w="996719"/>
-                <a:gridCol w="996719"/>
-                <a:gridCol w="996719"/>
-                <a:gridCol w="996719"/>
+                <a:gridCol w="996719">
+                  <a:extLst>
+                    <a:ext uri="{9D8B030D-6E8A-4147-A177-3AD203B41FA5}">
+                      <a16:colId xmlns:a16="http://schemas.microsoft.com/office/drawing/2014/main" val="20000"/>
+                    </a:ext>
+                  </a:extLst>
+                </a:gridCol>
+                <a:gridCol w="996719">
+                  <a:extLst>
+                    <a:ext uri="{9D8B030D-6E8A-4147-A177-3AD203B41FA5}">
+                      <a16:colId xmlns:a16="http://schemas.microsoft.com/office/drawing/2014/main" val="20001"/>
+                    </a:ext>
+                  </a:extLst>
+                </a:gridCol>
+                <a:gridCol w="996719">
+                  <a:extLst>
+                    <a:ext uri="{9D8B030D-6E8A-4147-A177-3AD203B41FA5}">
+                      <a16:colId xmlns:a16="http://schemas.microsoft.com/office/drawing/2014/main" val="20002"/>
+                    </a:ext>
+                  </a:extLst>
+                </a:gridCol>
+                <a:gridCol w="996719">
+                  <a:extLst>
+                    <a:ext uri="{9D8B030D-6E8A-4147-A177-3AD203B41FA5}">
+                      <a16:colId xmlns:a16="http://schemas.microsoft.com/office/drawing/2014/main" val="20003"/>
+                    </a:ext>
+                  </a:extLst>
+                </a:gridCol>
+                <a:gridCol w="996719">
+                  <a:extLst>
+                    <a:ext uri="{9D8B030D-6E8A-4147-A177-3AD203B41FA5}">
+                      <a16:colId xmlns:a16="http://schemas.microsoft.com/office/drawing/2014/main" val="20004"/>
+                    </a:ext>
+                  </a:extLst>
+                </a:gridCol>
               </a:tblGrid>
               <a:tr h="266279">
                 <a:tc>
@@ -10487,6 +10382,11 @@
                   </a:txBody>
                   <a:tcPr/>
                 </a:tc>
+                <a:extLst>
+                  <a:ext uri="{0D108BD9-81ED-4DB2-BD59-A6C34878D82A}">
+                    <a16:rowId xmlns:a16="http://schemas.microsoft.com/office/drawing/2014/main" val="10000"/>
+                  </a:ext>
+                </a:extLst>
               </a:tr>
             </a:tbl>
           </a:graphicData>
@@ -11597,7 +11497,7 @@
           <a:p>
             <a:pPr algn="ctr" defTabSz="685783"/>
             <a:r>
-              <a:rPr lang="en-US" sz="2700" dirty="0" smtClean="0">
+              <a:rPr lang="en-US" sz="2700" dirty="0">
                 <a:solidFill>
                   <a:prstClr val="black"/>
                 </a:solidFill>
@@ -11605,12 +11505,6 @@
               </a:rPr>
               <a:t>Z</a:t>
             </a:r>
-            <a:endParaRPr lang="en-US" sz="2700" dirty="0">
-              <a:solidFill>
-                <a:prstClr val="black"/>
-              </a:solidFill>
-              <a:latin typeface="Calibri"/>
-            </a:endParaRPr>
           </a:p>
         </p:txBody>
       </p:sp>
@@ -13352,7 +13246,7 @@
           <p:nvPr>
             <p:extLst>
               <p:ext uri="{D42A27DB-BD31-4B8C-83A1-F6EECF244321}">
-                <p14:modId xmlns:p14="http://schemas.microsoft.com/office/powerpoint/2010/main" val="3712527737"/>
+                <p14:modId xmlns:p14="http://schemas.microsoft.com/office/powerpoint/2010/main" val="1133121987"/>
               </p:ext>
             </p:extLst>
           </p:nvPr>
@@ -13368,12 +13262,48 @@
                 <a:tableStyleId>{5940675A-B579-460E-94D1-54222C63F5DA}</a:tableStyleId>
               </a:tblPr>
               <a:tblGrid>
-                <a:gridCol w="830599"/>
-                <a:gridCol w="830599"/>
-                <a:gridCol w="830599"/>
-                <a:gridCol w="830599"/>
-                <a:gridCol w="830599"/>
-                <a:gridCol w="830599"/>
+                <a:gridCol w="830599">
+                  <a:extLst>
+                    <a:ext uri="{9D8B030D-6E8A-4147-A177-3AD203B41FA5}">
+                      <a16:colId xmlns:a16="http://schemas.microsoft.com/office/drawing/2014/main" val="20000"/>
+                    </a:ext>
+                  </a:extLst>
+                </a:gridCol>
+                <a:gridCol w="830599">
+                  <a:extLst>
+                    <a:ext uri="{9D8B030D-6E8A-4147-A177-3AD203B41FA5}">
+                      <a16:colId xmlns:a16="http://schemas.microsoft.com/office/drawing/2014/main" val="20001"/>
+                    </a:ext>
+                  </a:extLst>
+                </a:gridCol>
+                <a:gridCol w="830599">
+                  <a:extLst>
+                    <a:ext uri="{9D8B030D-6E8A-4147-A177-3AD203B41FA5}">
+                      <a16:colId xmlns:a16="http://schemas.microsoft.com/office/drawing/2014/main" val="20002"/>
+                    </a:ext>
+                  </a:extLst>
+                </a:gridCol>
+                <a:gridCol w="830599">
+                  <a:extLst>
+                    <a:ext uri="{9D8B030D-6E8A-4147-A177-3AD203B41FA5}">
+                      <a16:colId xmlns:a16="http://schemas.microsoft.com/office/drawing/2014/main" val="20003"/>
+                    </a:ext>
+                  </a:extLst>
+                </a:gridCol>
+                <a:gridCol w="830599">
+                  <a:extLst>
+                    <a:ext uri="{9D8B030D-6E8A-4147-A177-3AD203B41FA5}">
+                      <a16:colId xmlns:a16="http://schemas.microsoft.com/office/drawing/2014/main" val="20004"/>
+                    </a:ext>
+                  </a:extLst>
+                </a:gridCol>
+                <a:gridCol w="830599">
+                  <a:extLst>
+                    <a:ext uri="{9D8B030D-6E8A-4147-A177-3AD203B41FA5}">
+                      <a16:colId xmlns:a16="http://schemas.microsoft.com/office/drawing/2014/main" val="20005"/>
+                    </a:ext>
+                  </a:extLst>
+                </a:gridCol>
               </a:tblGrid>
               <a:tr h="266279">
                 <a:tc>
@@ -13383,10 +13313,9 @@
                     <a:p>
                       <a:pPr algn="ctr"/>
                       <a:r>
-                        <a:rPr lang="en-US" dirty="0" smtClean="0"/>
+                        <a:rPr lang="en-US" dirty="0"/>
                         <a:t>?</a:t>
                       </a:r>
-                      <a:endParaRPr lang="en-US" dirty="0"/>
                     </a:p>
                   </a:txBody>
                   <a:tcPr/>
@@ -13398,10 +13327,9 @@
                     <a:p>
                       <a:pPr algn="ctr"/>
                       <a:r>
-                        <a:rPr lang="en-US" dirty="0" smtClean="0"/>
+                        <a:rPr lang="en-US" dirty="0"/>
                         <a:t>?</a:t>
                       </a:r>
-                      <a:endParaRPr lang="en-US" dirty="0"/>
                     </a:p>
                   </a:txBody>
                   <a:tcPr/>
@@ -13413,10 +13341,9 @@
                     <a:p>
                       <a:pPr algn="ctr"/>
                       <a:r>
-                        <a:rPr lang="en-US" dirty="0" smtClean="0"/>
+                        <a:rPr lang="en-US" dirty="0"/>
                         <a:t>-1</a:t>
                       </a:r>
-                      <a:endParaRPr lang="en-US" dirty="0"/>
                     </a:p>
                   </a:txBody>
                   <a:tcPr/>
@@ -13428,10 +13355,9 @@
                     <a:p>
                       <a:pPr algn="ctr"/>
                       <a:r>
-                        <a:rPr lang="en-US" dirty="0" smtClean="0"/>
+                        <a:rPr lang="en-US" dirty="0"/>
                         <a:t>?</a:t>
                       </a:r>
-                      <a:endParaRPr lang="en-US" dirty="0"/>
                     </a:p>
                   </a:txBody>
                   <a:tcPr/>
@@ -13443,10 +13369,9 @@
                     <a:p>
                       <a:pPr algn="ctr"/>
                       <a:r>
-                        <a:rPr lang="en-US" dirty="0" smtClean="0"/>
+                        <a:rPr lang="en-US" dirty="0"/>
                         <a:t>3</a:t>
                       </a:r>
-                      <a:endParaRPr lang="en-US" dirty="0"/>
                     </a:p>
                   </a:txBody>
                   <a:tcPr/>
@@ -13458,14 +13383,18 @@
                     <a:p>
                       <a:pPr algn="ctr"/>
                       <a:r>
-                        <a:rPr lang="en-US" dirty="0" smtClean="0"/>
+                        <a:rPr lang="en-US" dirty="0"/>
                         <a:t>-1</a:t>
                       </a:r>
-                      <a:endParaRPr lang="en-US" dirty="0"/>
                     </a:p>
                   </a:txBody>
                   <a:tcPr/>
                 </a:tc>
+                <a:extLst>
+                  <a:ext uri="{0D108BD9-81ED-4DB2-BD59-A6C34878D82A}">
+                    <a16:rowId xmlns:a16="http://schemas.microsoft.com/office/drawing/2014/main" val="10000"/>
+                  </a:ext>
+                </a:extLst>
               </a:tr>
             </a:tbl>
           </a:graphicData>
@@ -13574,7 +13503,7 @@
           <p:nvPr>
             <p:extLst>
               <p:ext uri="{D42A27DB-BD31-4B8C-83A1-F6EECF244321}">
-                <p14:modId xmlns:p14="http://schemas.microsoft.com/office/powerpoint/2010/main" val="3824827768"/>
+                <p14:modId xmlns:p14="http://schemas.microsoft.com/office/powerpoint/2010/main" val="1315720377"/>
               </p:ext>
             </p:extLst>
           </p:nvPr>
@@ -13590,12 +13519,48 @@
                 <a:tableStyleId>{2D5ABB26-0587-4C30-8999-92F81FD0307C}</a:tableStyleId>
               </a:tblPr>
               <a:tblGrid>
-                <a:gridCol w="830599"/>
-                <a:gridCol w="830599"/>
-                <a:gridCol w="830599"/>
-                <a:gridCol w="830599"/>
-                <a:gridCol w="830599"/>
-                <a:gridCol w="830599"/>
+                <a:gridCol w="830599">
+                  <a:extLst>
+                    <a:ext uri="{9D8B030D-6E8A-4147-A177-3AD203B41FA5}">
+                      <a16:colId xmlns:a16="http://schemas.microsoft.com/office/drawing/2014/main" val="20000"/>
+                    </a:ext>
+                  </a:extLst>
+                </a:gridCol>
+                <a:gridCol w="830599">
+                  <a:extLst>
+                    <a:ext uri="{9D8B030D-6E8A-4147-A177-3AD203B41FA5}">
+                      <a16:colId xmlns:a16="http://schemas.microsoft.com/office/drawing/2014/main" val="20001"/>
+                    </a:ext>
+                  </a:extLst>
+                </a:gridCol>
+                <a:gridCol w="830599">
+                  <a:extLst>
+                    <a:ext uri="{9D8B030D-6E8A-4147-A177-3AD203B41FA5}">
+                      <a16:colId xmlns:a16="http://schemas.microsoft.com/office/drawing/2014/main" val="20002"/>
+                    </a:ext>
+                  </a:extLst>
+                </a:gridCol>
+                <a:gridCol w="830599">
+                  <a:extLst>
+                    <a:ext uri="{9D8B030D-6E8A-4147-A177-3AD203B41FA5}">
+                      <a16:colId xmlns:a16="http://schemas.microsoft.com/office/drawing/2014/main" val="20003"/>
+                    </a:ext>
+                  </a:extLst>
+                </a:gridCol>
+                <a:gridCol w="830599">
+                  <a:extLst>
+                    <a:ext uri="{9D8B030D-6E8A-4147-A177-3AD203B41FA5}">
+                      <a16:colId xmlns:a16="http://schemas.microsoft.com/office/drawing/2014/main" val="20004"/>
+                    </a:ext>
+                  </a:extLst>
+                </a:gridCol>
+                <a:gridCol w="830599">
+                  <a:extLst>
+                    <a:ext uri="{9D8B030D-6E8A-4147-A177-3AD203B41FA5}">
+                      <a16:colId xmlns:a16="http://schemas.microsoft.com/office/drawing/2014/main" val="20005"/>
+                    </a:ext>
+                  </a:extLst>
+                </a:gridCol>
               </a:tblGrid>
               <a:tr h="266279">
                 <a:tc>
@@ -13605,10 +13570,9 @@
                     <a:p>
                       <a:pPr algn="ctr"/>
                       <a:r>
-                        <a:rPr lang="en-US" dirty="0" smtClean="0"/>
+                        <a:rPr lang="en-US" dirty="0"/>
                         <a:t>A</a:t>
                       </a:r>
-                      <a:endParaRPr lang="en-US" dirty="0"/>
                     </a:p>
                   </a:txBody>
                   <a:tcPr/>
@@ -13620,10 +13584,9 @@
                     <a:p>
                       <a:pPr algn="ctr"/>
                       <a:r>
-                        <a:rPr lang="en-US" dirty="0" smtClean="0"/>
+                        <a:rPr lang="en-US" dirty="0"/>
                         <a:t>B</a:t>
                       </a:r>
-                      <a:endParaRPr lang="en-US" dirty="0"/>
                     </a:p>
                   </a:txBody>
                   <a:tcPr/>
@@ -13635,10 +13598,9 @@
                     <a:p>
                       <a:pPr algn="ctr"/>
                       <a:r>
-                        <a:rPr lang="en-US" dirty="0" smtClean="0"/>
+                        <a:rPr lang="en-US" dirty="0"/>
                         <a:t>C</a:t>
                       </a:r>
-                      <a:endParaRPr lang="en-US" dirty="0"/>
                     </a:p>
                   </a:txBody>
                   <a:tcPr/>
@@ -13650,10 +13612,9 @@
                     <a:p>
                       <a:pPr algn="ctr"/>
                       <a:r>
-                        <a:rPr lang="en-US" dirty="0" smtClean="0"/>
+                        <a:rPr lang="en-US" dirty="0"/>
                         <a:t>D</a:t>
                       </a:r>
-                      <a:endParaRPr lang="en-US" dirty="0"/>
                     </a:p>
                   </a:txBody>
                   <a:tcPr/>
@@ -13665,10 +13626,9 @@
                     <a:p>
                       <a:pPr algn="ctr"/>
                       <a:r>
-                        <a:rPr lang="en-US" dirty="0" smtClean="0"/>
+                        <a:rPr lang="en-US" dirty="0"/>
                         <a:t>E</a:t>
                       </a:r>
-                      <a:endParaRPr lang="en-US" dirty="0"/>
                     </a:p>
                   </a:txBody>
                   <a:tcPr/>
@@ -13680,14 +13640,18 @@
                     <a:p>
                       <a:pPr algn="ctr"/>
                       <a:r>
-                        <a:rPr lang="en-US" dirty="0" smtClean="0"/>
+                        <a:rPr lang="en-US" dirty="0"/>
                         <a:t>F</a:t>
                       </a:r>
-                      <a:endParaRPr lang="en-US" dirty="0"/>
                     </a:p>
                   </a:txBody>
                   <a:tcPr/>
                 </a:tc>
+                <a:extLst>
+                  <a:ext uri="{0D108BD9-81ED-4DB2-BD59-A6C34878D82A}">
+                    <a16:rowId xmlns:a16="http://schemas.microsoft.com/office/drawing/2014/main" val="10000"/>
+                  </a:ext>
+                </a:extLst>
               </a:tr>
             </a:tbl>
           </a:graphicData>
@@ -13812,7 +13776,7 @@
           <p:nvPr>
             <p:extLst>
               <p:ext uri="{D42A27DB-BD31-4B8C-83A1-F6EECF244321}">
-                <p14:modId xmlns:p14="http://schemas.microsoft.com/office/powerpoint/2010/main" val="1402422804"/>
+                <p14:modId xmlns:p14="http://schemas.microsoft.com/office/powerpoint/2010/main" val="444247957"/>
               </p:ext>
             </p:extLst>
           </p:nvPr>
@@ -13828,12 +13792,48 @@
                 <a:tableStyleId>{5940675A-B579-460E-94D1-54222C63F5DA}</a:tableStyleId>
               </a:tblPr>
               <a:tblGrid>
-                <a:gridCol w="830599"/>
-                <a:gridCol w="830599"/>
-                <a:gridCol w="830599"/>
-                <a:gridCol w="830599"/>
-                <a:gridCol w="830599"/>
-                <a:gridCol w="830599"/>
+                <a:gridCol w="830599">
+                  <a:extLst>
+                    <a:ext uri="{9D8B030D-6E8A-4147-A177-3AD203B41FA5}">
+                      <a16:colId xmlns:a16="http://schemas.microsoft.com/office/drawing/2014/main" val="20000"/>
+                    </a:ext>
+                  </a:extLst>
+                </a:gridCol>
+                <a:gridCol w="830599">
+                  <a:extLst>
+                    <a:ext uri="{9D8B030D-6E8A-4147-A177-3AD203B41FA5}">
+                      <a16:colId xmlns:a16="http://schemas.microsoft.com/office/drawing/2014/main" val="20001"/>
+                    </a:ext>
+                  </a:extLst>
+                </a:gridCol>
+                <a:gridCol w="830599">
+                  <a:extLst>
+                    <a:ext uri="{9D8B030D-6E8A-4147-A177-3AD203B41FA5}">
+                      <a16:colId xmlns:a16="http://schemas.microsoft.com/office/drawing/2014/main" val="20002"/>
+                    </a:ext>
+                  </a:extLst>
+                </a:gridCol>
+                <a:gridCol w="830599">
+                  <a:extLst>
+                    <a:ext uri="{9D8B030D-6E8A-4147-A177-3AD203B41FA5}">
+                      <a16:colId xmlns:a16="http://schemas.microsoft.com/office/drawing/2014/main" val="20003"/>
+                    </a:ext>
+                  </a:extLst>
+                </a:gridCol>
+                <a:gridCol w="830599">
+                  <a:extLst>
+                    <a:ext uri="{9D8B030D-6E8A-4147-A177-3AD203B41FA5}">
+                      <a16:colId xmlns:a16="http://schemas.microsoft.com/office/drawing/2014/main" val="20004"/>
+                    </a:ext>
+                  </a:extLst>
+                </a:gridCol>
+                <a:gridCol w="830599">
+                  <a:extLst>
+                    <a:ext uri="{9D8B030D-6E8A-4147-A177-3AD203B41FA5}">
+                      <a16:colId xmlns:a16="http://schemas.microsoft.com/office/drawing/2014/main" val="20005"/>
+                    </a:ext>
+                  </a:extLst>
+                </a:gridCol>
               </a:tblGrid>
               <a:tr h="266279">
                 <a:tc>
@@ -13843,10 +13843,9 @@
                     <a:p>
                       <a:pPr algn="ctr"/>
                       <a:r>
-                        <a:rPr lang="en-US" dirty="0" smtClean="0"/>
+                        <a:rPr lang="en-US" dirty="0"/>
                         <a:t>5</a:t>
                       </a:r>
-                      <a:endParaRPr lang="en-US" dirty="0"/>
                     </a:p>
                   </a:txBody>
                   <a:tcPr/>
@@ -13858,10 +13857,9 @@
                     <a:p>
                       <a:pPr algn="ctr"/>
                       <a:r>
-                        <a:rPr lang="en-US" dirty="0" smtClean="0"/>
+                        <a:rPr lang="en-US" dirty="0"/>
                         <a:t>-1</a:t>
                       </a:r>
-                      <a:endParaRPr lang="en-US" dirty="0"/>
                     </a:p>
                   </a:txBody>
                   <a:tcPr/>
@@ -13873,10 +13871,9 @@
                     <a:p>
                       <a:pPr algn="ctr"/>
                       <a:r>
-                        <a:rPr lang="en-US" dirty="0" smtClean="0"/>
+                        <a:rPr lang="en-US" dirty="0"/>
                         <a:t>4</a:t>
                       </a:r>
-                      <a:endParaRPr lang="en-US" dirty="0"/>
                     </a:p>
                   </a:txBody>
                   <a:tcPr/>
@@ -13888,10 +13885,9 @@
                     <a:p>
                       <a:pPr algn="ctr"/>
                       <a:r>
-                        <a:rPr lang="en-US" dirty="0" smtClean="0"/>
+                        <a:rPr lang="en-US" dirty="0"/>
                         <a:t>4</a:t>
                       </a:r>
-                      <a:endParaRPr lang="en-US" dirty="0"/>
                     </a:p>
                   </a:txBody>
                   <a:tcPr/>
@@ -13903,10 +13899,9 @@
                     <a:p>
                       <a:pPr algn="ctr"/>
                       <a:r>
-                        <a:rPr lang="en-US" dirty="0" smtClean="0"/>
+                        <a:rPr lang="en-US" dirty="0"/>
                         <a:t>5</a:t>
                       </a:r>
-                      <a:endParaRPr lang="en-US" dirty="0"/>
                     </a:p>
                   </a:txBody>
                   <a:tcPr/>
@@ -13918,14 +13913,18 @@
                     <a:p>
                       <a:pPr algn="ctr"/>
                       <a:r>
-                        <a:rPr lang="en-US" dirty="0" smtClean="0"/>
+                        <a:rPr lang="en-US" dirty="0"/>
                         <a:t>-1</a:t>
                       </a:r>
-                      <a:endParaRPr lang="en-US" dirty="0"/>
                     </a:p>
                   </a:txBody>
                   <a:tcPr/>
                 </a:tc>
+                <a:extLst>
+                  <a:ext uri="{0D108BD9-81ED-4DB2-BD59-A6C34878D82A}">
+                    <a16:rowId xmlns:a16="http://schemas.microsoft.com/office/drawing/2014/main" val="10000"/>
+                  </a:ext>
+                </a:extLst>
               </a:tr>
             </a:tbl>
           </a:graphicData>
@@ -13940,7 +13939,7 @@
           <p:nvPr>
             <p:extLst>
               <p:ext uri="{D42A27DB-BD31-4B8C-83A1-F6EECF244321}">
-                <p14:modId xmlns:p14="http://schemas.microsoft.com/office/powerpoint/2010/main" val="2908556011"/>
+                <p14:modId xmlns:p14="http://schemas.microsoft.com/office/powerpoint/2010/main" val="1233638471"/>
               </p:ext>
             </p:extLst>
           </p:nvPr>
@@ -13956,12 +13955,48 @@
                 <a:tableStyleId>{2D5ABB26-0587-4C30-8999-92F81FD0307C}</a:tableStyleId>
               </a:tblPr>
               <a:tblGrid>
-                <a:gridCol w="830599"/>
-                <a:gridCol w="830599"/>
-                <a:gridCol w="830599"/>
-                <a:gridCol w="830599"/>
-                <a:gridCol w="830599"/>
-                <a:gridCol w="830599"/>
+                <a:gridCol w="830599">
+                  <a:extLst>
+                    <a:ext uri="{9D8B030D-6E8A-4147-A177-3AD203B41FA5}">
+                      <a16:colId xmlns:a16="http://schemas.microsoft.com/office/drawing/2014/main" val="20000"/>
+                    </a:ext>
+                  </a:extLst>
+                </a:gridCol>
+                <a:gridCol w="830599">
+                  <a:extLst>
+                    <a:ext uri="{9D8B030D-6E8A-4147-A177-3AD203B41FA5}">
+                      <a16:colId xmlns:a16="http://schemas.microsoft.com/office/drawing/2014/main" val="20001"/>
+                    </a:ext>
+                  </a:extLst>
+                </a:gridCol>
+                <a:gridCol w="830599">
+                  <a:extLst>
+                    <a:ext uri="{9D8B030D-6E8A-4147-A177-3AD203B41FA5}">
+                      <a16:colId xmlns:a16="http://schemas.microsoft.com/office/drawing/2014/main" val="20002"/>
+                    </a:ext>
+                  </a:extLst>
+                </a:gridCol>
+                <a:gridCol w="830599">
+                  <a:extLst>
+                    <a:ext uri="{9D8B030D-6E8A-4147-A177-3AD203B41FA5}">
+                      <a16:colId xmlns:a16="http://schemas.microsoft.com/office/drawing/2014/main" val="20003"/>
+                    </a:ext>
+                  </a:extLst>
+                </a:gridCol>
+                <a:gridCol w="830599">
+                  <a:extLst>
+                    <a:ext uri="{9D8B030D-6E8A-4147-A177-3AD203B41FA5}">
+                      <a16:colId xmlns:a16="http://schemas.microsoft.com/office/drawing/2014/main" val="20004"/>
+                    </a:ext>
+                  </a:extLst>
+                </a:gridCol>
+                <a:gridCol w="830599">
+                  <a:extLst>
+                    <a:ext uri="{9D8B030D-6E8A-4147-A177-3AD203B41FA5}">
+                      <a16:colId xmlns:a16="http://schemas.microsoft.com/office/drawing/2014/main" val="20005"/>
+                    </a:ext>
+                  </a:extLst>
+                </a:gridCol>
               </a:tblGrid>
               <a:tr h="266279">
                 <a:tc>
@@ -13971,10 +14006,9 @@
                     <a:p>
                       <a:pPr algn="ctr"/>
                       <a:r>
-                        <a:rPr lang="en-US" dirty="0" smtClean="0"/>
+                        <a:rPr lang="en-US" dirty="0"/>
                         <a:t>A</a:t>
                       </a:r>
-                      <a:endParaRPr lang="en-US" dirty="0"/>
                     </a:p>
                   </a:txBody>
                   <a:tcPr/>
@@ -13986,10 +14020,9 @@
                     <a:p>
                       <a:pPr algn="ctr"/>
                       <a:r>
-                        <a:rPr lang="en-US" dirty="0" smtClean="0"/>
+                        <a:rPr lang="en-US" dirty="0"/>
                         <a:t>B</a:t>
                       </a:r>
-                      <a:endParaRPr lang="en-US" dirty="0"/>
                     </a:p>
                   </a:txBody>
                   <a:tcPr/>
@@ -14001,10 +14034,9 @@
                     <a:p>
                       <a:pPr algn="ctr"/>
                       <a:r>
-                        <a:rPr lang="en-US" dirty="0" smtClean="0"/>
+                        <a:rPr lang="en-US" dirty="0"/>
                         <a:t>C</a:t>
                       </a:r>
-                      <a:endParaRPr lang="en-US" dirty="0"/>
                     </a:p>
                   </a:txBody>
                   <a:tcPr/>
@@ -14016,10 +14048,9 @@
                     <a:p>
                       <a:pPr algn="ctr"/>
                       <a:r>
-                        <a:rPr lang="en-US" dirty="0" smtClean="0"/>
+                        <a:rPr lang="en-US" dirty="0"/>
                         <a:t>D</a:t>
                       </a:r>
-                      <a:endParaRPr lang="en-US" dirty="0"/>
                     </a:p>
                   </a:txBody>
                   <a:tcPr/>
@@ -14031,10 +14062,9 @@
                     <a:p>
                       <a:pPr algn="ctr"/>
                       <a:r>
-                        <a:rPr lang="en-US" dirty="0" smtClean="0"/>
+                        <a:rPr lang="en-US" dirty="0"/>
                         <a:t>E</a:t>
                       </a:r>
-                      <a:endParaRPr lang="en-US" dirty="0"/>
                     </a:p>
                   </a:txBody>
                   <a:tcPr/>
@@ -14046,14 +14076,18 @@
                     <a:p>
                       <a:pPr algn="ctr"/>
                       <a:r>
-                        <a:rPr lang="en-US" dirty="0" smtClean="0"/>
+                        <a:rPr lang="en-US" dirty="0"/>
                         <a:t>F</a:t>
                       </a:r>
-                      <a:endParaRPr lang="en-US" dirty="0"/>
                     </a:p>
                   </a:txBody>
                   <a:tcPr/>
                 </a:tc>
+                <a:extLst>
+                  <a:ext uri="{0D108BD9-81ED-4DB2-BD59-A6C34878D82A}">
+                    <a16:rowId xmlns:a16="http://schemas.microsoft.com/office/drawing/2014/main" val="10000"/>
+                  </a:ext>
+                </a:extLst>
               </a:tr>
             </a:tbl>
           </a:graphicData>
@@ -14295,7 +14329,7 @@
           <a:p>
             <a:pPr algn="ctr" defTabSz="685783"/>
             <a:r>
-              <a:rPr lang="en-US" sz="2700" dirty="0" smtClean="0">
+              <a:rPr lang="en-US" sz="2700" dirty="0">
                 <a:solidFill>
                   <a:prstClr val="black"/>
                 </a:solidFill>
@@ -14303,12 +14337,6 @@
               </a:rPr>
               <a:t>E</a:t>
             </a:r>
-            <a:endParaRPr lang="en-US" sz="2700" dirty="0">
-              <a:solidFill>
-                <a:prstClr val="black"/>
-              </a:solidFill>
-              <a:latin typeface="Calibri"/>
-            </a:endParaRPr>
           </a:p>
         </p:txBody>
       </p:sp>
@@ -14355,7 +14383,7 @@
           <a:p>
             <a:pPr algn="ctr" defTabSz="685783"/>
             <a:r>
-              <a:rPr lang="en-US" sz="2700" dirty="0" smtClean="0">
+              <a:rPr lang="en-US" sz="2700" dirty="0">
                 <a:solidFill>
                   <a:schemeClr val="tx1"/>
                 </a:solidFill>
@@ -14363,12 +14391,6 @@
               </a:rPr>
               <a:t>D</a:t>
             </a:r>
-            <a:endParaRPr lang="en-US" sz="2700" dirty="0">
-              <a:solidFill>
-                <a:schemeClr val="tx1"/>
-              </a:solidFill>
-              <a:latin typeface="Calibri"/>
-            </a:endParaRPr>
           </a:p>
         </p:txBody>
       </p:sp>
@@ -14822,7 +14844,7 @@
           <a:p>
             <a:pPr algn="ctr" defTabSz="685783"/>
             <a:r>
-              <a:rPr lang="en-US" sz="2700" dirty="0" smtClean="0">
+              <a:rPr lang="en-US" sz="2700" dirty="0">
                 <a:solidFill>
                   <a:prstClr val="black"/>
                 </a:solidFill>
@@ -14830,12 +14852,6 @@
               </a:rPr>
               <a:t>D</a:t>
             </a:r>
-            <a:endParaRPr lang="en-US" sz="2700" dirty="0">
-              <a:solidFill>
-                <a:prstClr val="black"/>
-              </a:solidFill>
-              <a:latin typeface="Calibri"/>
-            </a:endParaRPr>
           </a:p>
         </p:txBody>
       </p:sp>
@@ -14882,7 +14898,7 @@
           <a:p>
             <a:pPr algn="ctr" defTabSz="685783"/>
             <a:r>
-              <a:rPr lang="en-US" sz="2700" dirty="0" smtClean="0">
+              <a:rPr lang="en-US" sz="2700" dirty="0">
                 <a:solidFill>
                   <a:schemeClr val="tx1"/>
                 </a:solidFill>
@@ -14890,12 +14906,6 @@
               </a:rPr>
               <a:t>E</a:t>
             </a:r>
-            <a:endParaRPr lang="en-US" sz="2700" dirty="0">
-              <a:solidFill>
-                <a:schemeClr val="tx1"/>
-              </a:solidFill>
-              <a:latin typeface="Calibri"/>
-            </a:endParaRPr>
           </a:p>
         </p:txBody>
       </p:sp>
@@ -15187,7 +15197,7 @@
           <a:p>
             <a:pPr algn="ctr" defTabSz="685783"/>
             <a:r>
-              <a:rPr lang="en-US" sz="2700" dirty="0" smtClean="0">
+              <a:rPr lang="en-US" sz="2700" dirty="0">
                 <a:solidFill>
                   <a:schemeClr val="tx1"/>
                 </a:solidFill>
@@ -15195,12 +15205,6 @@
               </a:rPr>
               <a:t>A</a:t>
             </a:r>
-            <a:endParaRPr lang="en-US" sz="2700" dirty="0">
-              <a:solidFill>
-                <a:schemeClr val="tx1"/>
-              </a:solidFill>
-              <a:latin typeface="Calibri"/>
-            </a:endParaRPr>
           </a:p>
         </p:txBody>
       </p:sp>
@@ -15247,7 +15251,7 @@
           <a:p>
             <a:pPr algn="ctr" defTabSz="685783"/>
             <a:r>
-              <a:rPr lang="en-US" sz="2700" dirty="0" smtClean="0">
+              <a:rPr lang="en-US" sz="2700" dirty="0">
                 <a:solidFill>
                   <a:prstClr val="black"/>
                 </a:solidFill>
@@ -15255,12 +15259,6 @@
               </a:rPr>
               <a:t>B</a:t>
             </a:r>
-            <a:endParaRPr lang="en-US" sz="2700" dirty="0">
-              <a:solidFill>
-                <a:prstClr val="black"/>
-              </a:solidFill>
-              <a:latin typeface="Calibri"/>
-            </a:endParaRPr>
           </a:p>
         </p:txBody>
       </p:sp>
@@ -15307,7 +15305,7 @@
           <a:p>
             <a:pPr algn="ctr" defTabSz="685783"/>
             <a:r>
-              <a:rPr lang="en-US" sz="2700" dirty="0" smtClean="0">
+              <a:rPr lang="en-US" sz="2700" dirty="0">
                 <a:solidFill>
                   <a:prstClr val="black"/>
                 </a:solidFill>
@@ -15315,12 +15313,6 @@
               </a:rPr>
               <a:t>C</a:t>
             </a:r>
-            <a:endParaRPr lang="en-US" sz="2700" dirty="0">
-              <a:solidFill>
-                <a:prstClr val="black"/>
-              </a:solidFill>
-              <a:latin typeface="Calibri"/>
-            </a:endParaRPr>
           </a:p>
         </p:txBody>
       </p:sp>
@@ -15367,7 +15359,7 @@
           <a:p>
             <a:pPr algn="ctr" defTabSz="685783"/>
             <a:r>
-              <a:rPr lang="en-US" sz="2700" dirty="0" smtClean="0">
+              <a:rPr lang="en-US" sz="2700" dirty="0">
                 <a:solidFill>
                   <a:prstClr val="black"/>
                 </a:solidFill>
@@ -15375,12 +15367,6 @@
               </a:rPr>
               <a:t>D</a:t>
             </a:r>
-            <a:endParaRPr lang="en-US" sz="2700" dirty="0">
-              <a:solidFill>
-                <a:prstClr val="black"/>
-              </a:solidFill>
-              <a:latin typeface="Calibri"/>
-            </a:endParaRPr>
           </a:p>
         </p:txBody>
       </p:sp>
@@ -15427,7 +15413,7 @@
           <a:p>
             <a:pPr algn="ctr" defTabSz="685783"/>
             <a:r>
-              <a:rPr lang="en-US" sz="2700" dirty="0" smtClean="0">
+              <a:rPr lang="en-US" sz="2700" dirty="0">
                 <a:solidFill>
                   <a:schemeClr val="tx1"/>
                 </a:solidFill>
@@ -15435,12 +15421,6 @@
               </a:rPr>
               <a:t>E</a:t>
             </a:r>
-            <a:endParaRPr lang="en-US" sz="2700" dirty="0">
-              <a:solidFill>
-                <a:schemeClr val="tx1"/>
-              </a:solidFill>
-              <a:latin typeface="Calibri"/>
-            </a:endParaRPr>
           </a:p>
         </p:txBody>
       </p:sp>
@@ -15487,7 +15467,7 @@
           <a:p>
             <a:pPr algn="ctr" defTabSz="685783"/>
             <a:r>
-              <a:rPr lang="en-US" sz="2700" dirty="0" smtClean="0">
+              <a:rPr lang="en-US" sz="2700" dirty="0">
                 <a:solidFill>
                   <a:schemeClr val="tx1"/>
                 </a:solidFill>
@@ -15495,12 +15475,6 @@
               </a:rPr>
               <a:t>F</a:t>
             </a:r>
-            <a:endParaRPr lang="en-US" sz="2700" dirty="0">
-              <a:solidFill>
-                <a:schemeClr val="tx1"/>
-              </a:solidFill>
-              <a:latin typeface="Calibri"/>
-            </a:endParaRPr>
           </a:p>
         </p:txBody>
       </p:sp>
@@ -15738,7 +15712,7 @@
           <a:p>
             <a:pPr algn="ctr" defTabSz="685783"/>
             <a:r>
-              <a:rPr lang="en-US" sz="2700" dirty="0" smtClean="0">
+              <a:rPr lang="en-US" sz="2700" dirty="0">
                 <a:solidFill>
                   <a:schemeClr val="tx1"/>
                 </a:solidFill>
@@ -15746,12 +15720,6 @@
               </a:rPr>
               <a:t>C</a:t>
             </a:r>
-            <a:endParaRPr lang="en-US" sz="2700" dirty="0">
-              <a:solidFill>
-                <a:schemeClr val="tx1"/>
-              </a:solidFill>
-              <a:latin typeface="Calibri"/>
-            </a:endParaRPr>
           </a:p>
         </p:txBody>
       </p:sp>
@@ -15798,7 +15766,7 @@
           <a:p>
             <a:pPr algn="ctr" defTabSz="685783"/>
             <a:r>
-              <a:rPr lang="en-US" sz="2700" dirty="0" smtClean="0">
+              <a:rPr lang="en-US" sz="2700" dirty="0">
                 <a:solidFill>
                   <a:prstClr val="black"/>
                 </a:solidFill>
@@ -15806,12 +15774,6 @@
               </a:rPr>
               <a:t>B</a:t>
             </a:r>
-            <a:endParaRPr lang="en-US" sz="2700" dirty="0">
-              <a:solidFill>
-                <a:prstClr val="black"/>
-              </a:solidFill>
-              <a:latin typeface="Calibri"/>
-            </a:endParaRPr>
           </a:p>
         </p:txBody>
       </p:sp>
@@ -15858,7 +15820,7 @@
           <a:p>
             <a:pPr algn="ctr" defTabSz="685783"/>
             <a:r>
-              <a:rPr lang="en-US" sz="2700" dirty="0" smtClean="0">
+              <a:rPr lang="en-US" sz="2700" dirty="0">
                 <a:solidFill>
                   <a:prstClr val="black"/>
                 </a:solidFill>
@@ -15866,12 +15828,6 @@
               </a:rPr>
               <a:t>A</a:t>
             </a:r>
-            <a:endParaRPr lang="en-US" sz="2700" dirty="0">
-              <a:solidFill>
-                <a:prstClr val="black"/>
-              </a:solidFill>
-              <a:latin typeface="Calibri"/>
-            </a:endParaRPr>
           </a:p>
         </p:txBody>
       </p:sp>
@@ -15918,7 +15874,7 @@
           <a:p>
             <a:pPr algn="ctr" defTabSz="685783"/>
             <a:r>
-              <a:rPr lang="en-US" sz="2700" dirty="0" smtClean="0">
+              <a:rPr lang="en-US" sz="2700" dirty="0">
                 <a:solidFill>
                   <a:prstClr val="black"/>
                 </a:solidFill>
@@ -15926,12 +15882,6 @@
               </a:rPr>
               <a:t>E</a:t>
             </a:r>
-            <a:endParaRPr lang="en-US" sz="2700" dirty="0">
-              <a:solidFill>
-                <a:prstClr val="black"/>
-              </a:solidFill>
-              <a:latin typeface="Calibri"/>
-            </a:endParaRPr>
           </a:p>
         </p:txBody>
       </p:sp>
@@ -15978,7 +15928,7 @@
           <a:p>
             <a:pPr algn="ctr" defTabSz="685783"/>
             <a:r>
-              <a:rPr lang="en-US" sz="2700" dirty="0" smtClean="0">
+              <a:rPr lang="en-US" sz="2700" dirty="0">
                 <a:solidFill>
                   <a:schemeClr val="tx1"/>
                 </a:solidFill>
@@ -15986,12 +15936,6 @@
               </a:rPr>
               <a:t>D</a:t>
             </a:r>
-            <a:endParaRPr lang="en-US" sz="2700" dirty="0">
-              <a:solidFill>
-                <a:schemeClr val="tx1"/>
-              </a:solidFill>
-              <a:latin typeface="Calibri"/>
-            </a:endParaRPr>
           </a:p>
         </p:txBody>
       </p:sp>
@@ -16038,7 +15982,7 @@
           <a:p>
             <a:pPr algn="ctr" defTabSz="685783"/>
             <a:r>
-              <a:rPr lang="en-US" sz="2700" dirty="0" smtClean="0">
+              <a:rPr lang="en-US" sz="2700" dirty="0">
                 <a:solidFill>
                   <a:schemeClr val="tx1"/>
                 </a:solidFill>
@@ -16046,12 +15990,6 @@
               </a:rPr>
               <a:t>F</a:t>
             </a:r>
-            <a:endParaRPr lang="en-US" sz="2700" dirty="0">
-              <a:solidFill>
-                <a:schemeClr val="tx1"/>
-              </a:solidFill>
-              <a:latin typeface="Calibri"/>
-            </a:endParaRPr>
           </a:p>
         </p:txBody>
       </p:sp>
@@ -16541,12 +16479,48 @@
                 <a:tableStyleId>{5940675A-B579-460E-94D1-54222C63F5DA}</a:tableStyleId>
               </a:tblPr>
               <a:tblGrid>
-                <a:gridCol w="830599"/>
-                <a:gridCol w="830599"/>
-                <a:gridCol w="830599"/>
-                <a:gridCol w="830599"/>
-                <a:gridCol w="830599"/>
-                <a:gridCol w="830599"/>
+                <a:gridCol w="830599">
+                  <a:extLst>
+                    <a:ext uri="{9D8B030D-6E8A-4147-A177-3AD203B41FA5}">
+                      <a16:colId xmlns:a16="http://schemas.microsoft.com/office/drawing/2014/main" val="20000"/>
+                    </a:ext>
+                  </a:extLst>
+                </a:gridCol>
+                <a:gridCol w="830599">
+                  <a:extLst>
+                    <a:ext uri="{9D8B030D-6E8A-4147-A177-3AD203B41FA5}">
+                      <a16:colId xmlns:a16="http://schemas.microsoft.com/office/drawing/2014/main" val="20001"/>
+                    </a:ext>
+                  </a:extLst>
+                </a:gridCol>
+                <a:gridCol w="830599">
+                  <a:extLst>
+                    <a:ext uri="{9D8B030D-6E8A-4147-A177-3AD203B41FA5}">
+                      <a16:colId xmlns:a16="http://schemas.microsoft.com/office/drawing/2014/main" val="20002"/>
+                    </a:ext>
+                  </a:extLst>
+                </a:gridCol>
+                <a:gridCol w="830599">
+                  <a:extLst>
+                    <a:ext uri="{9D8B030D-6E8A-4147-A177-3AD203B41FA5}">
+                      <a16:colId xmlns:a16="http://schemas.microsoft.com/office/drawing/2014/main" val="20003"/>
+                    </a:ext>
+                  </a:extLst>
+                </a:gridCol>
+                <a:gridCol w="830599">
+                  <a:extLst>
+                    <a:ext uri="{9D8B030D-6E8A-4147-A177-3AD203B41FA5}">
+                      <a16:colId xmlns:a16="http://schemas.microsoft.com/office/drawing/2014/main" val="20004"/>
+                    </a:ext>
+                  </a:extLst>
+                </a:gridCol>
+                <a:gridCol w="830599">
+                  <a:extLst>
+                    <a:ext uri="{9D8B030D-6E8A-4147-A177-3AD203B41FA5}">
+                      <a16:colId xmlns:a16="http://schemas.microsoft.com/office/drawing/2014/main" val="20005"/>
+                    </a:ext>
+                  </a:extLst>
+                </a:gridCol>
               </a:tblGrid>
               <a:tr h="266279">
                 <a:tc>
@@ -16556,10 +16530,9 @@
                     <a:p>
                       <a:pPr algn="ctr"/>
                       <a:r>
-                        <a:rPr lang="en-US" dirty="0" smtClean="0"/>
+                        <a:rPr lang="en-US" dirty="0"/>
                         <a:t>?</a:t>
                       </a:r>
-                      <a:endParaRPr lang="en-US" dirty="0"/>
                     </a:p>
                   </a:txBody>
                   <a:tcPr/>
@@ -16571,10 +16544,9 @@
                     <a:p>
                       <a:pPr algn="ctr"/>
                       <a:r>
-                        <a:rPr lang="en-US" dirty="0" smtClean="0"/>
+                        <a:rPr lang="en-US" dirty="0"/>
                         <a:t>?</a:t>
                       </a:r>
-                      <a:endParaRPr lang="en-US" dirty="0"/>
                     </a:p>
                   </a:txBody>
                   <a:tcPr/>
@@ -16586,10 +16558,9 @@
                     <a:p>
                       <a:pPr algn="ctr"/>
                       <a:r>
-                        <a:rPr lang="en-US" dirty="0" smtClean="0"/>
+                        <a:rPr lang="en-US" dirty="0"/>
                         <a:t>?</a:t>
                       </a:r>
-                      <a:endParaRPr lang="en-US" dirty="0"/>
                     </a:p>
                   </a:txBody>
                   <a:tcPr/>
@@ -16601,10 +16572,9 @@
                     <a:p>
                       <a:pPr algn="ctr"/>
                       <a:r>
-                        <a:rPr lang="en-US" dirty="0" smtClean="0"/>
+                        <a:rPr lang="en-US" dirty="0"/>
                         <a:t>?</a:t>
                       </a:r>
-                      <a:endParaRPr lang="en-US" dirty="0"/>
                     </a:p>
                   </a:txBody>
                   <a:tcPr/>
@@ -16616,10 +16586,9 @@
                     <a:p>
                       <a:pPr algn="ctr"/>
                       <a:r>
-                        <a:rPr lang="en-US" dirty="0" smtClean="0"/>
+                        <a:rPr lang="en-US" dirty="0"/>
                         <a:t>?</a:t>
                       </a:r>
-                      <a:endParaRPr lang="en-US" dirty="0"/>
                     </a:p>
                   </a:txBody>
                   <a:tcPr/>
@@ -16631,14 +16600,18 @@
                     <a:p>
                       <a:pPr algn="ctr"/>
                       <a:r>
-                        <a:rPr lang="en-US" dirty="0" smtClean="0"/>
+                        <a:rPr lang="en-US" dirty="0"/>
                         <a:t>?</a:t>
                       </a:r>
-                      <a:endParaRPr lang="en-US" dirty="0"/>
                     </a:p>
                   </a:txBody>
                   <a:tcPr/>
                 </a:tc>
+                <a:extLst>
+                  <a:ext uri="{0D108BD9-81ED-4DB2-BD59-A6C34878D82A}">
+                    <a16:rowId xmlns:a16="http://schemas.microsoft.com/office/drawing/2014/main" val="10000"/>
+                  </a:ext>
+                </a:extLst>
               </a:tr>
             </a:tbl>
           </a:graphicData>
@@ -16830,12 +16803,48 @@
                 <a:tableStyleId>{2D5ABB26-0587-4C30-8999-92F81FD0307C}</a:tableStyleId>
               </a:tblPr>
               <a:tblGrid>
-                <a:gridCol w="830599"/>
-                <a:gridCol w="830599"/>
-                <a:gridCol w="830599"/>
-                <a:gridCol w="830599"/>
-                <a:gridCol w="830599"/>
-                <a:gridCol w="830599"/>
+                <a:gridCol w="830599">
+                  <a:extLst>
+                    <a:ext uri="{9D8B030D-6E8A-4147-A177-3AD203B41FA5}">
+                      <a16:colId xmlns:a16="http://schemas.microsoft.com/office/drawing/2014/main" val="20000"/>
+                    </a:ext>
+                  </a:extLst>
+                </a:gridCol>
+                <a:gridCol w="830599">
+                  <a:extLst>
+                    <a:ext uri="{9D8B030D-6E8A-4147-A177-3AD203B41FA5}">
+                      <a16:colId xmlns:a16="http://schemas.microsoft.com/office/drawing/2014/main" val="20001"/>
+                    </a:ext>
+                  </a:extLst>
+                </a:gridCol>
+                <a:gridCol w="830599">
+                  <a:extLst>
+                    <a:ext uri="{9D8B030D-6E8A-4147-A177-3AD203B41FA5}">
+                      <a16:colId xmlns:a16="http://schemas.microsoft.com/office/drawing/2014/main" val="20002"/>
+                    </a:ext>
+                  </a:extLst>
+                </a:gridCol>
+                <a:gridCol w="830599">
+                  <a:extLst>
+                    <a:ext uri="{9D8B030D-6E8A-4147-A177-3AD203B41FA5}">
+                      <a16:colId xmlns:a16="http://schemas.microsoft.com/office/drawing/2014/main" val="20003"/>
+                    </a:ext>
+                  </a:extLst>
+                </a:gridCol>
+                <a:gridCol w="830599">
+                  <a:extLst>
+                    <a:ext uri="{9D8B030D-6E8A-4147-A177-3AD203B41FA5}">
+                      <a16:colId xmlns:a16="http://schemas.microsoft.com/office/drawing/2014/main" val="20004"/>
+                    </a:ext>
+                  </a:extLst>
+                </a:gridCol>
+                <a:gridCol w="830599">
+                  <a:extLst>
+                    <a:ext uri="{9D8B030D-6E8A-4147-A177-3AD203B41FA5}">
+                      <a16:colId xmlns:a16="http://schemas.microsoft.com/office/drawing/2014/main" val="20005"/>
+                    </a:ext>
+                  </a:extLst>
+                </a:gridCol>
               </a:tblGrid>
               <a:tr h="266279">
                 <a:tc>
@@ -16845,10 +16854,9 @@
                     <a:p>
                       <a:pPr algn="ctr"/>
                       <a:r>
-                        <a:rPr lang="en-US" dirty="0" smtClean="0"/>
+                        <a:rPr lang="en-US" dirty="0"/>
                         <a:t>0</a:t>
                       </a:r>
-                      <a:endParaRPr lang="en-US" dirty="0"/>
                     </a:p>
                   </a:txBody>
                   <a:tcPr/>
@@ -16860,10 +16868,9 @@
                     <a:p>
                       <a:pPr algn="ctr"/>
                       <a:r>
-                        <a:rPr lang="en-US" dirty="0" smtClean="0"/>
+                        <a:rPr lang="en-US" dirty="0"/>
                         <a:t>1</a:t>
                       </a:r>
-                      <a:endParaRPr lang="en-US" dirty="0"/>
                     </a:p>
                   </a:txBody>
                   <a:tcPr/>
@@ -16875,10 +16882,9 @@
                     <a:p>
                       <a:pPr algn="ctr"/>
                       <a:r>
-                        <a:rPr lang="en-US" dirty="0" smtClean="0"/>
+                        <a:rPr lang="en-US" dirty="0"/>
                         <a:t>2</a:t>
                       </a:r>
-                      <a:endParaRPr lang="en-US" dirty="0"/>
                     </a:p>
                   </a:txBody>
                   <a:tcPr/>
@@ -16890,10 +16896,9 @@
                     <a:p>
                       <a:pPr algn="ctr"/>
                       <a:r>
-                        <a:rPr lang="en-US" dirty="0" smtClean="0"/>
+                        <a:rPr lang="en-US" dirty="0"/>
                         <a:t>3</a:t>
                       </a:r>
-                      <a:endParaRPr lang="en-US" dirty="0"/>
                     </a:p>
                   </a:txBody>
                   <a:tcPr/>
@@ -16905,10 +16910,9 @@
                     <a:p>
                       <a:pPr algn="ctr"/>
                       <a:r>
-                        <a:rPr lang="en-US" dirty="0" smtClean="0"/>
+                        <a:rPr lang="en-US" dirty="0"/>
                         <a:t>4</a:t>
                       </a:r>
-                      <a:endParaRPr lang="en-US" dirty="0"/>
                     </a:p>
                   </a:txBody>
                   <a:tcPr/>
@@ -16920,14 +16924,18 @@
                     <a:p>
                       <a:pPr algn="ctr"/>
                       <a:r>
-                        <a:rPr lang="en-US" dirty="0" smtClean="0"/>
+                        <a:rPr lang="en-US" dirty="0"/>
                         <a:t>5</a:t>
                       </a:r>
-                      <a:endParaRPr lang="en-US" dirty="0"/>
                     </a:p>
                   </a:txBody>
                   <a:tcPr/>
                 </a:tc>
+                <a:extLst>
+                  <a:ext uri="{0D108BD9-81ED-4DB2-BD59-A6C34878D82A}">
+                    <a16:rowId xmlns:a16="http://schemas.microsoft.com/office/drawing/2014/main" val="10000"/>
+                  </a:ext>
+                </a:extLst>
               </a:tr>
             </a:tbl>
           </a:graphicData>
